--- a/HPCC_Systems.pptx
+++ b/HPCC_Systems.pptx
@@ -5,7 +5,7 @@
     <p:sldMasterId id="2147483671" r:id="rId1"/>
   </p:sldMasterIdLst>
   <p:notesMasterIdLst>
-    <p:notesMasterId r:id="rId33"/>
+    <p:notesMasterId r:id="rId35"/>
   </p:notesMasterIdLst>
   <p:sldIdLst>
     <p:sldId id="257" r:id="rId2"/>
@@ -27,18 +27,20 @@
     <p:sldId id="291" r:id="rId18"/>
     <p:sldId id="271" r:id="rId19"/>
     <p:sldId id="272" r:id="rId20"/>
-    <p:sldId id="273" r:id="rId21"/>
-    <p:sldId id="275" r:id="rId22"/>
-    <p:sldId id="274" r:id="rId23"/>
-    <p:sldId id="276" r:id="rId24"/>
-    <p:sldId id="277" r:id="rId25"/>
-    <p:sldId id="278" r:id="rId26"/>
-    <p:sldId id="279" r:id="rId27"/>
-    <p:sldId id="280" r:id="rId28"/>
-    <p:sldId id="281" r:id="rId29"/>
-    <p:sldId id="282" r:id="rId30"/>
-    <p:sldId id="283" r:id="rId31"/>
-    <p:sldId id="284" r:id="rId32"/>
+    <p:sldId id="295" r:id="rId21"/>
+    <p:sldId id="296" r:id="rId22"/>
+    <p:sldId id="273" r:id="rId23"/>
+    <p:sldId id="275" r:id="rId24"/>
+    <p:sldId id="274" r:id="rId25"/>
+    <p:sldId id="276" r:id="rId26"/>
+    <p:sldId id="277" r:id="rId27"/>
+    <p:sldId id="278" r:id="rId28"/>
+    <p:sldId id="279" r:id="rId29"/>
+    <p:sldId id="280" r:id="rId30"/>
+    <p:sldId id="281" r:id="rId31"/>
+    <p:sldId id="282" r:id="rId32"/>
+    <p:sldId id="283" r:id="rId33"/>
+    <p:sldId id="284" r:id="rId34"/>
   </p:sldIdLst>
   <p:sldSz cx="12192000" cy="6858000"/>
   <p:notesSz cx="6858000" cy="9144000"/>
@@ -141,6 +143,9 @@
     <p:ext uri="{EFAFB233-063F-42B5-8137-9DF3F51BA10A}">
       <p15:sldGuideLst xmlns:p15="http://schemas.microsoft.com/office/powerpoint/2012/main"/>
     </p:ext>
+    <p:ext uri="{2D200454-40CA-4A62-9FC3-DE9A4176ACB9}">
+      <p15:notesGuideLst xmlns:p15="http://schemas.microsoft.com/office/powerpoint/2012/main"/>
+    </p:ext>
   </p:extLst>
 </p:presentation>
 </file>
@@ -239,7 +244,7 @@
           <a:p>
             <a:fld id="{B36D61BC-D97E-4621-A406-6D7D11D2A1E0}" type="datetimeFigureOut">
               <a:rPr lang="en-US" smtClean="0"/>
-              <a:t>5/12/2020</a:t>
+              <a:t>5/14/2020</a:t>
             </a:fld>
             <a:endParaRPr lang="en-US"/>
           </a:p>
@@ -1086,6 +1091,90 @@
 </p:notes>
 </file>
 
+<file path=ppt/notesSlides/notesSlide6.xml><?xml version="1.0" encoding="utf-8"?>
+<p:notes xmlns:a="http://schemas.openxmlformats.org/drawingml/2006/main" xmlns:r="http://schemas.openxmlformats.org/officeDocument/2006/relationships" xmlns:p="http://schemas.openxmlformats.org/presentationml/2006/main">
+  <p:cSld>
+    <p:spTree>
+      <p:nvGrpSpPr>
+        <p:cNvPr id="1" name=""/>
+        <p:cNvGrpSpPr/>
+        <p:nvPr/>
+      </p:nvGrpSpPr>
+      <p:grpSpPr>
+        <a:xfrm>
+          <a:off x="0" y="0"/>
+          <a:ext cx="0" cy="0"/>
+          <a:chOff x="0" y="0"/>
+          <a:chExt cx="0" cy="0"/>
+        </a:xfrm>
+      </p:grpSpPr>
+      <p:sp>
+        <p:nvSpPr>
+          <p:cNvPr id="2" name="Slide Image Placeholder 1"/>
+          <p:cNvSpPr>
+            <a:spLocks noGrp="1" noRot="1" noChangeAspect="1"/>
+          </p:cNvSpPr>
+          <p:nvPr>
+            <p:ph type="sldImg"/>
+          </p:nvPr>
+        </p:nvSpPr>
+        <p:spPr/>
+      </p:sp>
+      <p:sp>
+        <p:nvSpPr>
+          <p:cNvPr id="3" name="Notes Placeholder 2"/>
+          <p:cNvSpPr>
+            <a:spLocks noGrp="1"/>
+          </p:cNvSpPr>
+          <p:nvPr>
+            <p:ph type="body" idx="1"/>
+          </p:nvPr>
+        </p:nvSpPr>
+        <p:spPr/>
+        <p:txBody>
+          <a:bodyPr/>
+          <a:lstStyle/>
+          <a:p>
+            <a:endParaRPr lang="en-US" dirty="0"/>
+          </a:p>
+        </p:txBody>
+      </p:sp>
+      <p:sp>
+        <p:nvSpPr>
+          <p:cNvPr id="4" name="Slide Number Placeholder 3"/>
+          <p:cNvSpPr>
+            <a:spLocks noGrp="1"/>
+          </p:cNvSpPr>
+          <p:nvPr>
+            <p:ph type="sldNum" sz="quarter" idx="10"/>
+          </p:nvPr>
+        </p:nvSpPr>
+        <p:spPr/>
+        <p:txBody>
+          <a:bodyPr/>
+          <a:lstStyle/>
+          <a:p>
+            <a:fld id="{1D82C854-1B18-4210-81DE-4A9FD8520CEE}" type="slidenum">
+              <a:rPr lang="en-US" smtClean="0"/>
+              <a:t>21</a:t>
+            </a:fld>
+            <a:endParaRPr lang="en-US"/>
+          </a:p>
+        </p:txBody>
+      </p:sp>
+    </p:spTree>
+    <p:extLst>
+      <p:ext uri="{BB962C8B-B14F-4D97-AF65-F5344CB8AC3E}">
+        <p14:creationId xmlns:p14="http://schemas.microsoft.com/office/powerpoint/2010/main" val="1979958282"/>
+      </p:ext>
+    </p:extLst>
+  </p:cSld>
+  <p:clrMapOvr>
+    <a:masterClrMapping/>
+  </p:clrMapOvr>
+</p:notes>
+</file>
+
 <file path=ppt/slideLayouts/slideLayout1.xml><?xml version="1.0" encoding="utf-8"?>
 <p:sldLayout xmlns:a="http://schemas.openxmlformats.org/drawingml/2006/main" xmlns:r="http://schemas.openxmlformats.org/officeDocument/2006/relationships" xmlns:p="http://schemas.openxmlformats.org/presentationml/2006/main" type="title" preserve="1">
   <p:cSld name="Title Slide">
@@ -1282,7 +1371,7 @@
           <a:p>
             <a:fld id="{4AAD347D-5ACD-4C99-B74B-A9C85AD731AF}" type="datetimeFigureOut">
               <a:rPr lang="en-US" smtClean="0"/>
-              <a:t>5/12/2020</a:t>
+              <a:t>5/14/2020</a:t>
             </a:fld>
             <a:endParaRPr lang="en-US" dirty="0"/>
           </a:p>
@@ -1563,7 +1652,7 @@
           <a:p>
             <a:fld id="{4509A250-FF31-4206-8172-F9D3106AACB1}" type="datetimeFigureOut">
               <a:rPr lang="en-US" smtClean="0"/>
-              <a:t>5/12/2020</a:t>
+              <a:t>5/14/2020</a:t>
             </a:fld>
             <a:endParaRPr lang="en-US" dirty="0"/>
           </a:p>
@@ -1755,7 +1844,7 @@
           <a:p>
             <a:fld id="{4509A250-FF31-4206-8172-F9D3106AACB1}" type="datetimeFigureOut">
               <a:rPr lang="en-US" smtClean="0"/>
-              <a:t>5/12/2020</a:t>
+              <a:t>5/14/2020</a:t>
             </a:fld>
             <a:endParaRPr lang="en-US" dirty="0"/>
           </a:p>
@@ -2016,7 +2105,7 @@
           <a:p>
             <a:fld id="{4AAD347D-5ACD-4C99-B74B-A9C85AD731AF}" type="datetimeFigureOut">
               <a:rPr lang="en-US" smtClean="0"/>
-              <a:t>5/12/2020</a:t>
+              <a:t>5/14/2020</a:t>
             </a:fld>
             <a:endParaRPr lang="en-US" dirty="0"/>
           </a:p>
@@ -2443,7 +2532,7 @@
           <a:p>
             <a:fld id="{4AAD347D-5ACD-4C99-B74B-A9C85AD731AF}" type="datetimeFigureOut">
               <a:rPr lang="en-US" smtClean="0"/>
-              <a:t>5/12/2020</a:t>
+              <a:t>5/14/2020</a:t>
             </a:fld>
             <a:endParaRPr lang="en-US" dirty="0"/>
           </a:p>
@@ -2990,7 +3079,7 @@
           <a:p>
             <a:fld id="{4509A250-FF31-4206-8172-F9D3106AACB1}" type="datetimeFigureOut">
               <a:rPr lang="en-US" smtClean="0"/>
-              <a:t>5/12/2020</a:t>
+              <a:t>5/14/2020</a:t>
             </a:fld>
             <a:endParaRPr lang="en-US" dirty="0"/>
           </a:p>
@@ -3821,7 +3910,7 @@
           <a:p>
             <a:fld id="{4509A250-FF31-4206-8172-F9D3106AACB1}" type="datetimeFigureOut">
               <a:rPr lang="en-US" smtClean="0"/>
-              <a:t>5/12/2020</a:t>
+              <a:t>5/14/2020</a:t>
             </a:fld>
             <a:endParaRPr lang="en-US" dirty="0"/>
           </a:p>
@@ -3991,7 +4080,7 @@
           <a:p>
             <a:fld id="{4509A250-FF31-4206-8172-F9D3106AACB1}" type="datetimeFigureOut">
               <a:rPr lang="en-US" smtClean="0"/>
-              <a:t>5/12/2020</a:t>
+              <a:t>5/14/2020</a:t>
             </a:fld>
             <a:endParaRPr lang="en-US" dirty="0"/>
           </a:p>
@@ -4171,7 +4260,7 @@
           <a:p>
             <a:fld id="{4509A250-FF31-4206-8172-F9D3106AACB1}" type="datetimeFigureOut">
               <a:rPr lang="en-US" smtClean="0"/>
-              <a:t>5/12/2020</a:t>
+              <a:t>5/14/2020</a:t>
             </a:fld>
             <a:endParaRPr lang="en-US" dirty="0"/>
           </a:p>
@@ -4341,7 +4430,7 @@
           <a:p>
             <a:fld id="{4509A250-FF31-4206-8172-F9D3106AACB1}" type="datetimeFigureOut">
               <a:rPr lang="en-US" smtClean="0"/>
-              <a:t>5/12/2020</a:t>
+              <a:t>5/14/2020</a:t>
             </a:fld>
             <a:endParaRPr lang="en-US" dirty="0"/>
           </a:p>
@@ -4598,7 +4687,7 @@
           <a:p>
             <a:fld id="{9796027F-7875-4030-9381-8BD8C4F21935}" type="datetimeFigureOut">
               <a:rPr lang="en-US" smtClean="0"/>
-              <a:t>5/12/2020</a:t>
+              <a:t>5/14/2020</a:t>
             </a:fld>
             <a:endParaRPr lang="en-US" dirty="0"/>
           </a:p>
@@ -4830,7 +4919,7 @@
           <a:p>
             <a:fld id="{9796027F-7875-4030-9381-8BD8C4F21935}" type="datetimeFigureOut">
               <a:rPr lang="en-US" smtClean="0"/>
-              <a:t>5/12/2020</a:t>
+              <a:t>5/14/2020</a:t>
             </a:fld>
             <a:endParaRPr lang="en-US" dirty="0"/>
           </a:p>
@@ -5223,7 +5312,7 @@
           <a:p>
             <a:fld id="{9796027F-7875-4030-9381-8BD8C4F21935}" type="datetimeFigureOut">
               <a:rPr lang="en-US" smtClean="0"/>
-              <a:t>5/12/2020</a:t>
+              <a:t>5/14/2020</a:t>
             </a:fld>
             <a:endParaRPr lang="en-US" dirty="0"/>
           </a:p>
@@ -5341,7 +5430,7 @@
           <a:p>
             <a:fld id="{4509A250-FF31-4206-8172-F9D3106AACB1}" type="datetimeFigureOut">
               <a:rPr lang="en-US" smtClean="0"/>
-              <a:t>5/12/2020</a:t>
+              <a:t>5/14/2020</a:t>
             </a:fld>
             <a:endParaRPr lang="en-US" dirty="0"/>
           </a:p>
@@ -5436,7 +5525,7 @@
           <a:p>
             <a:fld id="{4509A250-FF31-4206-8172-F9D3106AACB1}" type="datetimeFigureOut">
               <a:rPr lang="en-US" smtClean="0"/>
-              <a:t>5/12/2020</a:t>
+              <a:t>5/14/2020</a:t>
             </a:fld>
             <a:endParaRPr lang="en-US" dirty="0"/>
           </a:p>
@@ -5709,7 +5798,7 @@
           <a:p>
             <a:fld id="{4509A250-FF31-4206-8172-F9D3106AACB1}" type="datetimeFigureOut">
               <a:rPr lang="en-US" smtClean="0"/>
-              <a:t>5/12/2020</a:t>
+              <a:t>5/14/2020</a:t>
             </a:fld>
             <a:endParaRPr lang="en-US" dirty="0"/>
           </a:p>
@@ -5990,7 +6079,7 @@
           <a:p>
             <a:fld id="{4509A250-FF31-4206-8172-F9D3106AACB1}" type="datetimeFigureOut">
               <a:rPr lang="en-US" smtClean="0"/>
-              <a:t>5/12/2020</a:t>
+              <a:t>5/14/2020</a:t>
             </a:fld>
             <a:endParaRPr lang="en-US" dirty="0"/>
           </a:p>
@@ -6230,7 +6319,7 @@
           <a:p>
             <a:fld id="{4AAD347D-5ACD-4C99-B74B-A9C85AD731AF}" type="datetimeFigureOut">
               <a:rPr lang="en-US" smtClean="0"/>
-              <a:t>5/12/2020</a:t>
+              <a:t>5/14/2020</a:t>
             </a:fld>
             <a:endParaRPr lang="en-US" dirty="0"/>
           </a:p>
@@ -10822,6 +10911,822 @@
       </p:grpSpPr>
       <p:sp>
         <p:nvSpPr>
+          <p:cNvPr id="4" name="Content Placeholder 2"/>
+          <p:cNvSpPr>
+            <a:spLocks noGrp="1"/>
+          </p:cNvSpPr>
+          <p:nvPr>
+            <p:ph idx="1"/>
+          </p:nvPr>
+        </p:nvSpPr>
+        <p:spPr>
+          <a:xfrm>
+            <a:off x="571501" y="441434"/>
+            <a:ext cx="3060341" cy="705008"/>
+          </a:xfrm>
+        </p:spPr>
+        <p:txBody>
+          <a:bodyPr>
+            <a:noAutofit/>
+          </a:bodyPr>
+          <a:lstStyle/>
+          <a:p>
+            <a:pPr marL="0" indent="0">
+              <a:buNone/>
+            </a:pPr>
+            <a:r>
+              <a:rPr lang="en-US" sz="4000" b="1" dirty="0" smtClean="0">
+                <a:solidFill>
+                  <a:srgbClr val="FF0000"/>
+                </a:solidFill>
+                <a:latin typeface="Calibri" panose="020F0502020204030204" pitchFamily="34" charset="0"/>
+                <a:cs typeface="Calibri" panose="020F0502020204030204" pitchFamily="34" charset="0"/>
+              </a:rPr>
+              <a:t>Correlation</a:t>
+            </a:r>
+            <a:endParaRPr lang="en-US" sz="4000" b="1" dirty="0">
+              <a:solidFill>
+                <a:srgbClr val="FF0000"/>
+              </a:solidFill>
+              <a:latin typeface="Calibri" panose="020F0502020204030204" pitchFamily="34" charset="0"/>
+              <a:cs typeface="Calibri" panose="020F0502020204030204" pitchFamily="34" charset="0"/>
+            </a:endParaRPr>
+          </a:p>
+          <a:p>
+            <a:pPr marL="0" indent="0">
+              <a:buNone/>
+            </a:pPr>
+            <a:endParaRPr lang="en-US" sz="4000" dirty="0">
+              <a:solidFill>
+                <a:schemeClr val="tx1"/>
+              </a:solidFill>
+              <a:latin typeface="Calibri" panose="020F0502020204030204" pitchFamily="34" charset="0"/>
+              <a:cs typeface="Calibri" panose="020F0502020204030204" pitchFamily="34" charset="0"/>
+            </a:endParaRPr>
+          </a:p>
+        </p:txBody>
+      </p:sp>
+      <p:sp>
+        <p:nvSpPr>
+          <p:cNvPr id="5" name="Rectangle 4"/>
+          <p:cNvSpPr/>
+          <p:nvPr/>
+        </p:nvSpPr>
+        <p:spPr>
+          <a:xfrm>
+            <a:off x="571501" y="1872154"/>
+            <a:ext cx="11006606" cy="3785652"/>
+          </a:xfrm>
+          <a:prstGeom prst="rect">
+            <a:avLst/>
+          </a:prstGeom>
+        </p:spPr>
+        <p:txBody>
+          <a:bodyPr wrap="square">
+            <a:spAutoFit/>
+          </a:bodyPr>
+          <a:lstStyle/>
+          <a:p>
+            <a:r>
+              <a:rPr lang="en-US" sz="2400" dirty="0">
+                <a:latin typeface="Calibri" panose="020F0502020204030204" pitchFamily="34" charset="0"/>
+                <a:cs typeface="Calibri" panose="020F0502020204030204" pitchFamily="34" charset="0"/>
+              </a:rPr>
+              <a:t>When two sets of data are strongly linked together we say they have a </a:t>
+            </a:r>
+            <a:r>
+              <a:rPr lang="en-US" sz="2400" b="1" dirty="0">
+                <a:solidFill>
+                  <a:srgbClr val="FFC000"/>
+                </a:solidFill>
+                <a:latin typeface="Calibri" panose="020F0502020204030204" pitchFamily="34" charset="0"/>
+                <a:cs typeface="Calibri" panose="020F0502020204030204" pitchFamily="34" charset="0"/>
+              </a:rPr>
+              <a:t>High</a:t>
+            </a:r>
+            <a:r>
+              <a:rPr lang="en-US" sz="2400" dirty="0">
+                <a:latin typeface="Calibri" panose="020F0502020204030204" pitchFamily="34" charset="0"/>
+                <a:cs typeface="Calibri" panose="020F0502020204030204" pitchFamily="34" charset="0"/>
+              </a:rPr>
+              <a:t> Correlation</a:t>
+            </a:r>
+            <a:r>
+              <a:rPr lang="en-US" sz="2400" dirty="0" smtClean="0">
+                <a:latin typeface="Calibri" panose="020F0502020204030204" pitchFamily="34" charset="0"/>
+                <a:cs typeface="Calibri" panose="020F0502020204030204" pitchFamily="34" charset="0"/>
+              </a:rPr>
+              <a:t>.</a:t>
+            </a:r>
+          </a:p>
+          <a:p>
+            <a:endParaRPr lang="en-US" sz="2400" dirty="0" smtClean="0">
+              <a:latin typeface="Calibri" panose="020F0502020204030204" pitchFamily="34" charset="0"/>
+              <a:cs typeface="Calibri" panose="020F0502020204030204" pitchFamily="34" charset="0"/>
+            </a:endParaRPr>
+          </a:p>
+          <a:p>
+            <a:endParaRPr lang="en-US" sz="2400" dirty="0">
+              <a:solidFill>
+                <a:schemeClr val="accent2">
+                  <a:lumMod val="75000"/>
+                </a:schemeClr>
+              </a:solidFill>
+              <a:latin typeface="Calibri" panose="020F0502020204030204" pitchFamily="34" charset="0"/>
+              <a:cs typeface="Calibri" panose="020F0502020204030204" pitchFamily="34" charset="0"/>
+            </a:endParaRPr>
+          </a:p>
+          <a:p>
+            <a:r>
+              <a:rPr lang="en-US" sz="2400" dirty="0">
+                <a:latin typeface="Calibri" panose="020F0502020204030204" pitchFamily="34" charset="0"/>
+                <a:cs typeface="Calibri" panose="020F0502020204030204" pitchFamily="34" charset="0"/>
+              </a:rPr>
+              <a:t>Correlation can have a </a:t>
+            </a:r>
+            <a:r>
+              <a:rPr lang="en-US" sz="2400">
+                <a:latin typeface="Calibri" panose="020F0502020204030204" pitchFamily="34" charset="0"/>
+                <a:cs typeface="Calibri" panose="020F0502020204030204" pitchFamily="34" charset="0"/>
+              </a:rPr>
+              <a:t>value</a:t>
+            </a:r>
+            <a:r>
+              <a:rPr lang="en-US" sz="2400" smtClean="0">
+                <a:latin typeface="Calibri" panose="020F0502020204030204" pitchFamily="34" charset="0"/>
+                <a:cs typeface="Calibri" panose="020F0502020204030204" pitchFamily="34" charset="0"/>
+              </a:rPr>
+              <a:t>:</a:t>
+            </a:r>
+          </a:p>
+          <a:p>
+            <a:endParaRPr lang="en-US" sz="2400" dirty="0">
+              <a:latin typeface="Calibri" panose="020F0502020204030204" pitchFamily="34" charset="0"/>
+              <a:cs typeface="Calibri" panose="020F0502020204030204" pitchFamily="34" charset="0"/>
+            </a:endParaRPr>
+          </a:p>
+          <a:p>
+            <a:pPr marL="342900" indent="-342900">
+              <a:buFont typeface="Arial" panose="020B0604020202020204" pitchFamily="34" charset="0"/>
+              <a:buChar char="•"/>
+            </a:pPr>
+            <a:r>
+              <a:rPr lang="en-US" sz="2400" dirty="0">
+                <a:latin typeface="Calibri" panose="020F0502020204030204" pitchFamily="34" charset="0"/>
+                <a:cs typeface="Calibri" panose="020F0502020204030204" pitchFamily="34" charset="0"/>
+              </a:rPr>
+              <a:t>1 </a:t>
+            </a:r>
+            <a:r>
+              <a:rPr lang="en-US" sz="2400" dirty="0" smtClean="0">
+                <a:latin typeface="Calibri" panose="020F0502020204030204" pitchFamily="34" charset="0"/>
+                <a:cs typeface="Calibri" panose="020F0502020204030204" pitchFamily="34" charset="0"/>
+              </a:rPr>
+              <a:t>	is </a:t>
+            </a:r>
+            <a:r>
+              <a:rPr lang="en-US" sz="2400" dirty="0">
+                <a:latin typeface="Calibri" panose="020F0502020204030204" pitchFamily="34" charset="0"/>
+                <a:cs typeface="Calibri" panose="020F0502020204030204" pitchFamily="34" charset="0"/>
+              </a:rPr>
+              <a:t>a perfect positive correlation</a:t>
+            </a:r>
+          </a:p>
+          <a:p>
+            <a:pPr marL="342900" indent="-342900">
+              <a:buFont typeface="Arial" panose="020B0604020202020204" pitchFamily="34" charset="0"/>
+              <a:buChar char="•"/>
+            </a:pPr>
+            <a:r>
+              <a:rPr lang="en-US" sz="2400" dirty="0">
+                <a:latin typeface="Calibri" panose="020F0502020204030204" pitchFamily="34" charset="0"/>
+                <a:cs typeface="Calibri" panose="020F0502020204030204" pitchFamily="34" charset="0"/>
+              </a:rPr>
+              <a:t>0 </a:t>
+            </a:r>
+            <a:r>
+              <a:rPr lang="en-US" sz="2400" dirty="0" smtClean="0">
+                <a:latin typeface="Calibri" panose="020F0502020204030204" pitchFamily="34" charset="0"/>
+                <a:cs typeface="Calibri" panose="020F0502020204030204" pitchFamily="34" charset="0"/>
+              </a:rPr>
+              <a:t>	is </a:t>
+            </a:r>
+            <a:r>
+              <a:rPr lang="en-US" sz="2400" dirty="0">
+                <a:latin typeface="Calibri" panose="020F0502020204030204" pitchFamily="34" charset="0"/>
+                <a:cs typeface="Calibri" panose="020F0502020204030204" pitchFamily="34" charset="0"/>
+              </a:rPr>
+              <a:t>no correlation </a:t>
+            </a:r>
+            <a:r>
+              <a:rPr lang="en-US" sz="2400" dirty="0" smtClean="0">
+                <a:latin typeface="Calibri" panose="020F0502020204030204" pitchFamily="34" charset="0"/>
+                <a:cs typeface="Calibri" panose="020F0502020204030204" pitchFamily="34" charset="0"/>
+              </a:rPr>
+              <a:t>, no relationship between values</a:t>
+            </a:r>
+          </a:p>
+          <a:p>
+            <a:pPr marL="342900" indent="-342900">
+              <a:buFont typeface="Arial" panose="020B0604020202020204" pitchFamily="34" charset="0"/>
+              <a:buChar char="•"/>
+            </a:pPr>
+            <a:r>
+              <a:rPr lang="en-US" sz="2400" dirty="0" smtClean="0">
+                <a:latin typeface="Calibri" panose="020F0502020204030204" pitchFamily="34" charset="0"/>
+                <a:cs typeface="Calibri" panose="020F0502020204030204" pitchFamily="34" charset="0"/>
+              </a:rPr>
+              <a:t>-1</a:t>
+            </a:r>
+            <a:r>
+              <a:rPr lang="en-US" sz="2400" dirty="0">
+                <a:latin typeface="Calibri" panose="020F0502020204030204" pitchFamily="34" charset="0"/>
+                <a:cs typeface="Calibri" panose="020F0502020204030204" pitchFamily="34" charset="0"/>
+              </a:rPr>
+              <a:t> </a:t>
+            </a:r>
+            <a:r>
+              <a:rPr lang="en-US" sz="2400" dirty="0" smtClean="0">
+                <a:latin typeface="Calibri" panose="020F0502020204030204" pitchFamily="34" charset="0"/>
+                <a:cs typeface="Calibri" panose="020F0502020204030204" pitchFamily="34" charset="0"/>
+              </a:rPr>
+              <a:t>	is </a:t>
+            </a:r>
+            <a:r>
+              <a:rPr lang="en-US" sz="2400" dirty="0">
+                <a:latin typeface="Calibri" panose="020F0502020204030204" pitchFamily="34" charset="0"/>
+                <a:cs typeface="Calibri" panose="020F0502020204030204" pitchFamily="34" charset="0"/>
+              </a:rPr>
+              <a:t>a perfect negative correlation</a:t>
+            </a:r>
+          </a:p>
+          <a:p>
+            <a:endParaRPr lang="en-US" sz="2400" dirty="0">
+              <a:solidFill>
+                <a:schemeClr val="accent2">
+                  <a:lumMod val="75000"/>
+                </a:schemeClr>
+              </a:solidFill>
+              <a:latin typeface="Calibri" panose="020F0502020204030204" pitchFamily="34" charset="0"/>
+              <a:cs typeface="Calibri" panose="020F0502020204030204" pitchFamily="34" charset="0"/>
+            </a:endParaRPr>
+          </a:p>
+        </p:txBody>
+      </p:sp>
+    </p:spTree>
+    <p:extLst>
+      <p:ext uri="{BB962C8B-B14F-4D97-AF65-F5344CB8AC3E}">
+        <p14:creationId xmlns:p14="http://schemas.microsoft.com/office/powerpoint/2010/main" val="4141970685"/>
+      </p:ext>
+    </p:extLst>
+  </p:cSld>
+  <p:clrMapOvr>
+    <a:masterClrMapping/>
+  </p:clrMapOvr>
+</p:sld>
+</file>
+
+<file path=ppt/slides/slide21.xml><?xml version="1.0" encoding="utf-8"?>
+<p:sld xmlns:a="http://schemas.openxmlformats.org/drawingml/2006/main" xmlns:r="http://schemas.openxmlformats.org/officeDocument/2006/relationships" xmlns:p="http://schemas.openxmlformats.org/presentationml/2006/main">
+  <p:cSld>
+    <p:spTree>
+      <p:nvGrpSpPr>
+        <p:cNvPr id="1" name=""/>
+        <p:cNvGrpSpPr/>
+        <p:nvPr/>
+      </p:nvGrpSpPr>
+      <p:grpSpPr>
+        <a:xfrm>
+          <a:off x="0" y="0"/>
+          <a:ext cx="0" cy="0"/>
+          <a:chOff x="0" y="0"/>
+          <a:chExt cx="0" cy="0"/>
+        </a:xfrm>
+      </p:grpSpPr>
+      <p:sp>
+        <p:nvSpPr>
+          <p:cNvPr id="5" name="Content Placeholder 2"/>
+          <p:cNvSpPr>
+            <a:spLocks noGrp="1"/>
+          </p:cNvSpPr>
+          <p:nvPr>
+            <p:ph idx="1"/>
+          </p:nvPr>
+        </p:nvSpPr>
+        <p:spPr>
+          <a:xfrm>
+            <a:off x="527290" y="201948"/>
+            <a:ext cx="3060341" cy="560052"/>
+          </a:xfrm>
+        </p:spPr>
+        <p:txBody>
+          <a:bodyPr>
+            <a:noAutofit/>
+          </a:bodyPr>
+          <a:lstStyle/>
+          <a:p>
+            <a:pPr marL="0" indent="0">
+              <a:buNone/>
+            </a:pPr>
+            <a:r>
+              <a:rPr lang="en-US" sz="3600" b="1" dirty="0" smtClean="0">
+                <a:solidFill>
+                  <a:srgbClr val="FF0000"/>
+                </a:solidFill>
+                <a:latin typeface="Calibri" panose="020F0502020204030204" pitchFamily="34" charset="0"/>
+                <a:cs typeface="Calibri" panose="020F0502020204030204" pitchFamily="34" charset="0"/>
+              </a:rPr>
+              <a:t>Correlation</a:t>
+            </a:r>
+            <a:endParaRPr lang="en-US" sz="3600" b="1" dirty="0">
+              <a:solidFill>
+                <a:srgbClr val="FF0000"/>
+              </a:solidFill>
+              <a:latin typeface="Calibri" panose="020F0502020204030204" pitchFamily="34" charset="0"/>
+              <a:cs typeface="Calibri" panose="020F0502020204030204" pitchFamily="34" charset="0"/>
+            </a:endParaRPr>
+          </a:p>
+          <a:p>
+            <a:pPr marL="0" indent="0">
+              <a:buNone/>
+            </a:pPr>
+            <a:endParaRPr lang="en-US" sz="3600" dirty="0">
+              <a:solidFill>
+                <a:schemeClr val="tx1"/>
+              </a:solidFill>
+              <a:latin typeface="Calibri" panose="020F0502020204030204" pitchFamily="34" charset="0"/>
+              <a:cs typeface="Calibri" panose="020F0502020204030204" pitchFamily="34" charset="0"/>
+            </a:endParaRPr>
+          </a:p>
+        </p:txBody>
+      </p:sp>
+      <p:pic>
+        <p:nvPicPr>
+          <p:cNvPr id="6" name="Picture 5"/>
+          <p:cNvPicPr>
+            <a:picLocks noChangeAspect="1"/>
+          </p:cNvPicPr>
+          <p:nvPr/>
+        </p:nvPicPr>
+        <p:blipFill>
+          <a:blip r:embed="rId3"/>
+          <a:stretch>
+            <a:fillRect/>
+          </a:stretch>
+        </p:blipFill>
+        <p:spPr>
+          <a:xfrm>
+            <a:off x="653883" y="3976915"/>
+            <a:ext cx="3844639" cy="559481"/>
+          </a:xfrm>
+          <a:prstGeom prst="rect">
+            <a:avLst/>
+          </a:prstGeom>
+        </p:spPr>
+      </p:pic>
+      <p:pic>
+        <p:nvPicPr>
+          <p:cNvPr id="7" name="Picture 6"/>
+          <p:cNvPicPr>
+            <a:picLocks noChangeAspect="1"/>
+          </p:cNvPicPr>
+          <p:nvPr/>
+        </p:nvPicPr>
+        <p:blipFill>
+          <a:blip r:embed="rId4"/>
+          <a:stretch>
+            <a:fillRect/>
+          </a:stretch>
+        </p:blipFill>
+        <p:spPr>
+          <a:xfrm>
+            <a:off x="6792686" y="3976915"/>
+            <a:ext cx="3962400" cy="559481"/>
+          </a:xfrm>
+          <a:prstGeom prst="rect">
+            <a:avLst/>
+          </a:prstGeom>
+        </p:spPr>
+      </p:pic>
+      <p:sp>
+        <p:nvSpPr>
+          <p:cNvPr id="8" name="Right Arrow 7"/>
+          <p:cNvSpPr/>
+          <p:nvPr/>
+        </p:nvSpPr>
+        <p:spPr>
+          <a:xfrm rot="5400000">
+            <a:off x="8411028" y="4855029"/>
+            <a:ext cx="725715" cy="682171"/>
+          </a:xfrm>
+          <a:prstGeom prst="rightArrow">
+            <a:avLst/>
+          </a:prstGeom>
+          <a:solidFill>
+            <a:srgbClr val="FF3300"/>
+          </a:solidFill>
+          <a:ln>
+            <a:noFill/>
+          </a:ln>
+          <a:effectLst>
+            <a:outerShdw blurRad="107950" dist="12700" dir="5400000" algn="ctr">
+              <a:srgbClr val="000000"/>
+            </a:outerShdw>
+          </a:effectLst>
+          <a:scene3d>
+            <a:camera prst="orthographicFront">
+              <a:rot lat="0" lon="0" rev="0"/>
+            </a:camera>
+            <a:lightRig rig="soft" dir="t">
+              <a:rot lat="0" lon="0" rev="0"/>
+            </a:lightRig>
+          </a:scene3d>
+          <a:sp3d contourW="44450" prstMaterial="matte">
+            <a:bevelT w="63500" h="63500" prst="artDeco"/>
+            <a:contourClr>
+              <a:srgbClr val="FFFFFF"/>
+            </a:contourClr>
+          </a:sp3d>
+        </p:spPr>
+        <p:style>
+          <a:lnRef idx="2">
+            <a:schemeClr val="accent1">
+              <a:shade val="50000"/>
+            </a:schemeClr>
+          </a:lnRef>
+          <a:fillRef idx="1">
+            <a:schemeClr val="accent1"/>
+          </a:fillRef>
+          <a:effectRef idx="0">
+            <a:schemeClr val="accent1"/>
+          </a:effectRef>
+          <a:fontRef idx="minor">
+            <a:schemeClr val="lt1"/>
+          </a:fontRef>
+        </p:style>
+        <p:txBody>
+          <a:bodyPr rtlCol="0" anchor="ctr"/>
+          <a:lstStyle/>
+          <a:p>
+            <a:pPr algn="ctr"/>
+            <a:endParaRPr lang="en-US"/>
+          </a:p>
+        </p:txBody>
+      </p:sp>
+      <p:sp>
+        <p:nvSpPr>
+          <p:cNvPr id="9" name="Right Arrow 8"/>
+          <p:cNvSpPr/>
+          <p:nvPr/>
+        </p:nvSpPr>
+        <p:spPr>
+          <a:xfrm rot="5400000">
+            <a:off x="2300514" y="4855029"/>
+            <a:ext cx="725715" cy="682171"/>
+          </a:xfrm>
+          <a:prstGeom prst="rightArrow">
+            <a:avLst/>
+          </a:prstGeom>
+          <a:solidFill>
+            <a:srgbClr val="FF3300"/>
+          </a:solidFill>
+          <a:ln>
+            <a:noFill/>
+          </a:ln>
+          <a:effectLst>
+            <a:outerShdw blurRad="107950" dist="12700" dir="5400000" algn="ctr">
+              <a:srgbClr val="000000"/>
+            </a:outerShdw>
+          </a:effectLst>
+          <a:scene3d>
+            <a:camera prst="orthographicFront">
+              <a:rot lat="0" lon="0" rev="0"/>
+            </a:camera>
+            <a:lightRig rig="soft" dir="t">
+              <a:rot lat="0" lon="0" rev="0"/>
+            </a:lightRig>
+          </a:scene3d>
+          <a:sp3d contourW="44450" prstMaterial="matte">
+            <a:bevelT w="63500" h="63500" prst="artDeco"/>
+            <a:contourClr>
+              <a:srgbClr val="FFFFFF"/>
+            </a:contourClr>
+          </a:sp3d>
+        </p:spPr>
+        <p:style>
+          <a:lnRef idx="2">
+            <a:schemeClr val="accent1">
+              <a:shade val="50000"/>
+            </a:schemeClr>
+          </a:lnRef>
+          <a:fillRef idx="1">
+            <a:schemeClr val="accent1"/>
+          </a:fillRef>
+          <a:effectRef idx="0">
+            <a:schemeClr val="accent1"/>
+          </a:effectRef>
+          <a:fontRef idx="minor">
+            <a:schemeClr val="lt1"/>
+          </a:fontRef>
+        </p:style>
+        <p:txBody>
+          <a:bodyPr rtlCol="0" anchor="ctr"/>
+          <a:lstStyle/>
+          <a:p>
+            <a:pPr algn="ctr"/>
+            <a:endParaRPr lang="en-US"/>
+          </a:p>
+        </p:txBody>
+      </p:sp>
+      <p:sp>
+        <p:nvSpPr>
+          <p:cNvPr id="10" name="TextBox 9"/>
+          <p:cNvSpPr txBox="1"/>
+          <p:nvPr/>
+        </p:nvSpPr>
+        <p:spPr>
+          <a:xfrm>
+            <a:off x="1978536" y="5979886"/>
+            <a:ext cx="1609095" cy="461665"/>
+          </a:xfrm>
+          <a:prstGeom prst="rect">
+            <a:avLst/>
+          </a:prstGeom>
+          <a:noFill/>
+        </p:spPr>
+        <p:txBody>
+          <a:bodyPr wrap="none" rtlCol="0">
+            <a:spAutoFit/>
+          </a:bodyPr>
+          <a:lstStyle/>
+          <a:p>
+            <a:r>
+              <a:rPr lang="en-US" sz="2400" dirty="0" smtClean="0">
+                <a:latin typeface="Calibri" panose="020F0502020204030204" pitchFamily="34" charset="0"/>
+                <a:cs typeface="Calibri" panose="020F0502020204030204" pitchFamily="34" charset="0"/>
+              </a:rPr>
+              <a:t>Returns 1.0</a:t>
+            </a:r>
+            <a:endParaRPr lang="en-US" sz="2400" dirty="0">
+              <a:latin typeface="Calibri" panose="020F0502020204030204" pitchFamily="34" charset="0"/>
+              <a:cs typeface="Calibri" panose="020F0502020204030204" pitchFamily="34" charset="0"/>
+            </a:endParaRPr>
+          </a:p>
+        </p:txBody>
+      </p:sp>
+      <p:sp>
+        <p:nvSpPr>
+          <p:cNvPr id="12" name="TextBox 11"/>
+          <p:cNvSpPr txBox="1"/>
+          <p:nvPr/>
+        </p:nvSpPr>
+        <p:spPr>
+          <a:xfrm>
+            <a:off x="7139784" y="5965372"/>
+            <a:ext cx="3941464" cy="461665"/>
+          </a:xfrm>
+          <a:prstGeom prst="rect">
+            <a:avLst/>
+          </a:prstGeom>
+          <a:noFill/>
+        </p:spPr>
+        <p:txBody>
+          <a:bodyPr wrap="none" rtlCol="0">
+            <a:spAutoFit/>
+          </a:bodyPr>
+          <a:lstStyle/>
+          <a:p>
+            <a:r>
+              <a:rPr lang="en-US" sz="2400" dirty="0" smtClean="0">
+                <a:latin typeface="Calibri" panose="020F0502020204030204" pitchFamily="34" charset="0"/>
+                <a:cs typeface="Calibri" panose="020F0502020204030204" pitchFamily="34" charset="0"/>
+              </a:rPr>
+              <a:t>Returns </a:t>
+            </a:r>
+            <a:r>
+              <a:rPr lang="en-US" sz="2400" dirty="0">
+                <a:latin typeface="Calibri" panose="020F0502020204030204" pitchFamily="34" charset="0"/>
+                <a:cs typeface="Calibri" panose="020F0502020204030204" pitchFamily="34" charset="0"/>
+              </a:rPr>
+              <a:t>0.4978702535543908</a:t>
+            </a:r>
+            <a:endParaRPr lang="en-US" sz="2400" dirty="0">
+              <a:latin typeface="Calibri" panose="020F0502020204030204" pitchFamily="34" charset="0"/>
+              <a:cs typeface="Calibri" panose="020F0502020204030204" pitchFamily="34" charset="0"/>
+            </a:endParaRPr>
+          </a:p>
+        </p:txBody>
+      </p:sp>
+      <p:pic>
+        <p:nvPicPr>
+          <p:cNvPr id="14" name="Picture 13"/>
+          <p:cNvPicPr>
+            <a:picLocks noChangeAspect="1"/>
+          </p:cNvPicPr>
+          <p:nvPr/>
+        </p:nvPicPr>
+        <p:blipFill>
+          <a:blip r:embed="rId5"/>
+          <a:stretch>
+            <a:fillRect/>
+          </a:stretch>
+        </p:blipFill>
+        <p:spPr>
+          <a:xfrm>
+            <a:off x="1668037" y="972457"/>
+            <a:ext cx="1990668" cy="1812018"/>
+          </a:xfrm>
+          <a:prstGeom prst="rect">
+            <a:avLst/>
+          </a:prstGeom>
+        </p:spPr>
+      </p:pic>
+      <p:sp>
+        <p:nvSpPr>
+          <p:cNvPr id="15" name="Right Arrow 14"/>
+          <p:cNvSpPr/>
+          <p:nvPr/>
+        </p:nvSpPr>
+        <p:spPr>
+          <a:xfrm rot="5400000">
+            <a:off x="8411028" y="3111046"/>
+            <a:ext cx="725715" cy="682171"/>
+          </a:xfrm>
+          <a:prstGeom prst="rightArrow">
+            <a:avLst/>
+          </a:prstGeom>
+          <a:solidFill>
+            <a:srgbClr val="FF3300"/>
+          </a:solidFill>
+          <a:ln>
+            <a:noFill/>
+          </a:ln>
+          <a:effectLst>
+            <a:outerShdw blurRad="107950" dist="12700" dir="5400000" algn="ctr">
+              <a:srgbClr val="000000"/>
+            </a:outerShdw>
+          </a:effectLst>
+          <a:scene3d>
+            <a:camera prst="orthographicFront">
+              <a:rot lat="0" lon="0" rev="0"/>
+            </a:camera>
+            <a:lightRig rig="soft" dir="t">
+              <a:rot lat="0" lon="0" rev="0"/>
+            </a:lightRig>
+          </a:scene3d>
+          <a:sp3d contourW="44450" prstMaterial="matte">
+            <a:bevelT w="63500" h="63500" prst="artDeco"/>
+            <a:contourClr>
+              <a:srgbClr val="FFFFFF"/>
+            </a:contourClr>
+          </a:sp3d>
+        </p:spPr>
+        <p:style>
+          <a:lnRef idx="2">
+            <a:schemeClr val="accent1">
+              <a:shade val="50000"/>
+            </a:schemeClr>
+          </a:lnRef>
+          <a:fillRef idx="1">
+            <a:schemeClr val="accent1"/>
+          </a:fillRef>
+          <a:effectRef idx="0">
+            <a:schemeClr val="accent1"/>
+          </a:effectRef>
+          <a:fontRef idx="minor">
+            <a:schemeClr val="lt1"/>
+          </a:fontRef>
+        </p:style>
+        <p:txBody>
+          <a:bodyPr rtlCol="0" anchor="ctr"/>
+          <a:lstStyle/>
+          <a:p>
+            <a:pPr algn="ctr"/>
+            <a:endParaRPr lang="en-US"/>
+          </a:p>
+        </p:txBody>
+      </p:sp>
+      <p:sp>
+        <p:nvSpPr>
+          <p:cNvPr id="16" name="Right Arrow 15"/>
+          <p:cNvSpPr/>
+          <p:nvPr/>
+        </p:nvSpPr>
+        <p:spPr>
+          <a:xfrm rot="5400000">
+            <a:off x="2300514" y="3111046"/>
+            <a:ext cx="725715" cy="682171"/>
+          </a:xfrm>
+          <a:prstGeom prst="rightArrow">
+            <a:avLst/>
+          </a:prstGeom>
+          <a:solidFill>
+            <a:srgbClr val="FF3300"/>
+          </a:solidFill>
+          <a:ln>
+            <a:noFill/>
+          </a:ln>
+          <a:effectLst>
+            <a:outerShdw blurRad="107950" dist="12700" dir="5400000" algn="ctr">
+              <a:srgbClr val="000000"/>
+            </a:outerShdw>
+          </a:effectLst>
+          <a:scene3d>
+            <a:camera prst="orthographicFront">
+              <a:rot lat="0" lon="0" rev="0"/>
+            </a:camera>
+            <a:lightRig rig="soft" dir="t">
+              <a:rot lat="0" lon="0" rev="0"/>
+            </a:lightRig>
+          </a:scene3d>
+          <a:sp3d contourW="44450" prstMaterial="matte">
+            <a:bevelT w="63500" h="63500" prst="artDeco"/>
+            <a:contourClr>
+              <a:srgbClr val="FFFFFF"/>
+            </a:contourClr>
+          </a:sp3d>
+        </p:spPr>
+        <p:style>
+          <a:lnRef idx="2">
+            <a:schemeClr val="accent1">
+              <a:shade val="50000"/>
+            </a:schemeClr>
+          </a:lnRef>
+          <a:fillRef idx="1">
+            <a:schemeClr val="accent1"/>
+          </a:fillRef>
+          <a:effectRef idx="0">
+            <a:schemeClr val="accent1"/>
+          </a:effectRef>
+          <a:fontRef idx="minor">
+            <a:schemeClr val="lt1"/>
+          </a:fontRef>
+        </p:style>
+        <p:txBody>
+          <a:bodyPr rtlCol="0" anchor="ctr"/>
+          <a:lstStyle/>
+          <a:p>
+            <a:pPr algn="ctr"/>
+            <a:endParaRPr lang="en-US"/>
+          </a:p>
+        </p:txBody>
+      </p:sp>
+      <p:pic>
+        <p:nvPicPr>
+          <p:cNvPr id="17" name="Picture 16"/>
+          <p:cNvPicPr>
+            <a:picLocks noChangeAspect="1"/>
+          </p:cNvPicPr>
+          <p:nvPr/>
+        </p:nvPicPr>
+        <p:blipFill>
+          <a:blip r:embed="rId6"/>
+          <a:stretch>
+            <a:fillRect/>
+          </a:stretch>
+        </p:blipFill>
+        <p:spPr>
+          <a:xfrm>
+            <a:off x="7359400" y="594177"/>
+            <a:ext cx="2828970" cy="2333171"/>
+          </a:xfrm>
+          <a:prstGeom prst="rect">
+            <a:avLst/>
+          </a:prstGeom>
+        </p:spPr>
+      </p:pic>
+    </p:spTree>
+    <p:extLst>
+      <p:ext uri="{BB962C8B-B14F-4D97-AF65-F5344CB8AC3E}">
+        <p14:creationId xmlns:p14="http://schemas.microsoft.com/office/powerpoint/2010/main" val="118981212"/>
+      </p:ext>
+    </p:extLst>
+  </p:cSld>
+  <p:clrMapOvr>
+    <a:masterClrMapping/>
+  </p:clrMapOvr>
+</p:sld>
+</file>
+
+<file path=ppt/slides/slide22.xml><?xml version="1.0" encoding="utf-8"?>
+<p:sld xmlns:a="http://schemas.openxmlformats.org/drawingml/2006/main" xmlns:r="http://schemas.openxmlformats.org/officeDocument/2006/relationships" xmlns:p="http://schemas.openxmlformats.org/presentationml/2006/main">
+  <p:cSld>
+    <p:spTree>
+      <p:nvGrpSpPr>
+        <p:cNvPr id="1" name=""/>
+        <p:cNvGrpSpPr/>
+        <p:nvPr/>
+      </p:nvGrpSpPr>
+      <p:grpSpPr>
+        <a:xfrm>
+          <a:off x="0" y="0"/>
+          <a:ext cx="0" cy="0"/>
+          <a:chOff x="0" y="0"/>
+          <a:chExt cx="0" cy="0"/>
+        </a:xfrm>
+      </p:grpSpPr>
+      <p:sp>
+        <p:nvSpPr>
           <p:cNvPr id="2" name="Content Placeholder 2"/>
           <p:cNvSpPr>
             <a:spLocks noGrp="1"/>
@@ -11081,7 +11986,7 @@
 </p:sld>
 </file>
 
-<file path=ppt/slides/slide21.xml><?xml version="1.0" encoding="utf-8"?>
+<file path=ppt/slides/slide23.xml><?xml version="1.0" encoding="utf-8"?>
 <p:sld xmlns:a="http://schemas.openxmlformats.org/drawingml/2006/main" xmlns:r="http://schemas.openxmlformats.org/officeDocument/2006/relationships" xmlns:p="http://schemas.openxmlformats.org/presentationml/2006/main">
   <p:cSld>
     <p:spTree>
@@ -11272,7 +12177,7 @@
 </p:sld>
 </file>
 
-<file path=ppt/slides/slide22.xml><?xml version="1.0" encoding="utf-8"?>
+<file path=ppt/slides/slide24.xml><?xml version="1.0" encoding="utf-8"?>
 <p:sld xmlns:a="http://schemas.openxmlformats.org/drawingml/2006/main" xmlns:r="http://schemas.openxmlformats.org/officeDocument/2006/relationships" xmlns:p="http://schemas.openxmlformats.org/presentationml/2006/main">
   <p:cSld>
     <p:spTree>
@@ -11891,7 +12796,7 @@
 </p:sld>
 </file>
 
-<file path=ppt/slides/slide23.xml><?xml version="1.0" encoding="utf-8"?>
+<file path=ppt/slides/slide25.xml><?xml version="1.0" encoding="utf-8"?>
 <p:sld xmlns:a="http://schemas.openxmlformats.org/drawingml/2006/main" xmlns:r="http://schemas.openxmlformats.org/officeDocument/2006/relationships" xmlns:p="http://schemas.openxmlformats.org/presentationml/2006/main">
   <p:cSld>
     <p:spTree>
@@ -12358,7 +13263,7 @@
 </p:sld>
 </file>
 
-<file path=ppt/slides/slide24.xml><?xml version="1.0" encoding="utf-8"?>
+<file path=ppt/slides/slide26.xml><?xml version="1.0" encoding="utf-8"?>
 <p:sld xmlns:a="http://schemas.openxmlformats.org/drawingml/2006/main" xmlns:r="http://schemas.openxmlformats.org/officeDocument/2006/relationships" xmlns:p="http://schemas.openxmlformats.org/presentationml/2006/main">
   <p:cSld>
     <p:spTree>
@@ -12861,7 +13766,7 @@
 </p:sld>
 </file>
 
-<file path=ppt/slides/slide25.xml><?xml version="1.0" encoding="utf-8"?>
+<file path=ppt/slides/slide27.xml><?xml version="1.0" encoding="utf-8"?>
 <p:sld xmlns:a="http://schemas.openxmlformats.org/drawingml/2006/main" xmlns:r="http://schemas.openxmlformats.org/officeDocument/2006/relationships" xmlns:p="http://schemas.openxmlformats.org/presentationml/2006/main">
   <p:cSld>
     <p:spTree>
@@ -13058,7 +13963,7 @@
 </p:sld>
 </file>
 
-<file path=ppt/slides/slide26.xml><?xml version="1.0" encoding="utf-8"?>
+<file path=ppt/slides/slide28.xml><?xml version="1.0" encoding="utf-8"?>
 <p:sld xmlns:a="http://schemas.openxmlformats.org/drawingml/2006/main" xmlns:r="http://schemas.openxmlformats.org/officeDocument/2006/relationships" xmlns:p="http://schemas.openxmlformats.org/presentationml/2006/main">
   <p:cSld>
     <p:spTree>
@@ -13458,7 +14363,7 @@
 </p:sld>
 </file>
 
-<file path=ppt/slides/slide27.xml><?xml version="1.0" encoding="utf-8"?>
+<file path=ppt/slides/slide29.xml><?xml version="1.0" encoding="utf-8"?>
 <p:sld xmlns:a="http://schemas.openxmlformats.org/drawingml/2006/main" xmlns:r="http://schemas.openxmlformats.org/officeDocument/2006/relationships" xmlns:p="http://schemas.openxmlformats.org/presentationml/2006/main">
   <p:cSld>
     <p:spTree>
@@ -13893,396 +14798,6 @@
     <p:extLst>
       <p:ext uri="{BB962C8B-B14F-4D97-AF65-F5344CB8AC3E}">
         <p14:creationId xmlns:p14="http://schemas.microsoft.com/office/powerpoint/2010/main" val="3943006172"/>
-      </p:ext>
-    </p:extLst>
-  </p:cSld>
-  <p:clrMapOvr>
-    <a:masterClrMapping/>
-  </p:clrMapOvr>
-  <p:timing>
-    <p:tnLst>
-      <p:par>
-        <p:cTn id="1" dur="indefinite" restart="never" nodeType="tmRoot"/>
-      </p:par>
-    </p:tnLst>
-  </p:timing>
-</p:sld>
-</file>
-
-<file path=ppt/slides/slide28.xml><?xml version="1.0" encoding="utf-8"?>
-<p:sld xmlns:a="http://schemas.openxmlformats.org/drawingml/2006/main" xmlns:r="http://schemas.openxmlformats.org/officeDocument/2006/relationships" xmlns:p="http://schemas.openxmlformats.org/presentationml/2006/main">
-  <p:cSld>
-    <p:spTree>
-      <p:nvGrpSpPr>
-        <p:cNvPr id="1" name=""/>
-        <p:cNvGrpSpPr/>
-        <p:nvPr/>
-      </p:nvGrpSpPr>
-      <p:grpSpPr>
-        <a:xfrm>
-          <a:off x="0" y="0"/>
-          <a:ext cx="0" cy="0"/>
-          <a:chOff x="0" y="0"/>
-          <a:chExt cx="0" cy="0"/>
-        </a:xfrm>
-      </p:grpSpPr>
-      <p:sp>
-        <p:nvSpPr>
-          <p:cNvPr id="2" name="Content Placeholder 2"/>
-          <p:cNvSpPr>
-            <a:spLocks noGrp="1"/>
-          </p:cNvSpPr>
-          <p:nvPr>
-            <p:ph idx="1"/>
-          </p:nvPr>
-        </p:nvSpPr>
-        <p:spPr>
-          <a:xfrm>
-            <a:off x="571501" y="441435"/>
-            <a:ext cx="5050071" cy="584284"/>
-          </a:xfrm>
-        </p:spPr>
-        <p:txBody>
-          <a:bodyPr>
-            <a:normAutofit/>
-          </a:bodyPr>
-          <a:lstStyle/>
-          <a:p>
-            <a:pPr marL="0" indent="0">
-              <a:buNone/>
-            </a:pPr>
-            <a:r>
-              <a:rPr lang="en-US" sz="2400" b="1" dirty="0" smtClean="0">
-                <a:solidFill>
-                  <a:srgbClr val="FF0000"/>
-                </a:solidFill>
-                <a:latin typeface="Calibri" panose="020F0502020204030204" pitchFamily="34" charset="0"/>
-                <a:cs typeface="Calibri" panose="020F0502020204030204" pitchFamily="34" charset="0"/>
-              </a:rPr>
-              <a:t>VISUALIZATION </a:t>
-            </a:r>
-            <a:endParaRPr lang="en-US" sz="2400" b="1" dirty="0">
-              <a:solidFill>
-                <a:srgbClr val="FF0000"/>
-              </a:solidFill>
-              <a:latin typeface="Calibri" panose="020F0502020204030204" pitchFamily="34" charset="0"/>
-              <a:cs typeface="Calibri" panose="020F0502020204030204" pitchFamily="34" charset="0"/>
-            </a:endParaRPr>
-          </a:p>
-          <a:p>
-            <a:pPr marL="0" indent="0">
-              <a:buNone/>
-            </a:pPr>
-            <a:endParaRPr lang="en-US" dirty="0">
-              <a:solidFill>
-                <a:schemeClr val="tx1"/>
-              </a:solidFill>
-              <a:latin typeface="Calibri" panose="020F0502020204030204" pitchFamily="34" charset="0"/>
-              <a:cs typeface="Calibri" panose="020F0502020204030204" pitchFamily="34" charset="0"/>
-            </a:endParaRPr>
-          </a:p>
-        </p:txBody>
-      </p:sp>
-      <p:sp>
-        <p:nvSpPr>
-          <p:cNvPr id="3" name="Rectangle 2"/>
-          <p:cNvSpPr/>
-          <p:nvPr/>
-        </p:nvSpPr>
-        <p:spPr>
-          <a:xfrm>
-            <a:off x="571501" y="1182990"/>
-            <a:ext cx="8433683" cy="3508653"/>
-          </a:xfrm>
-          <a:prstGeom prst="rect">
-            <a:avLst/>
-          </a:prstGeom>
-        </p:spPr>
-        <p:txBody>
-          <a:bodyPr wrap="square">
-            <a:spAutoFit/>
-          </a:bodyPr>
-          <a:lstStyle/>
-          <a:p>
-            <a:r>
-              <a:rPr lang="en-US" dirty="0">
-                <a:solidFill>
-                  <a:schemeClr val="tx1">
-                    <a:lumMod val="75000"/>
-                    <a:lumOff val="25000"/>
-                  </a:schemeClr>
-                </a:solidFill>
-                <a:cs typeface="Arial" panose="020B0604020202020204" pitchFamily="34" charset="0"/>
-              </a:rPr>
-              <a:t>Methods include</a:t>
-            </a:r>
-          </a:p>
-          <a:p>
-            <a:pPr marL="457200" indent="-457200">
-              <a:buFont typeface="Arial" panose="020B0604020202020204" pitchFamily="34" charset="0"/>
-              <a:buChar char="•"/>
-            </a:pPr>
-            <a:r>
-              <a:rPr lang="en-US" dirty="0">
-                <a:solidFill>
-                  <a:schemeClr val="tx1">
-                    <a:lumMod val="75000"/>
-                    <a:lumOff val="25000"/>
-                  </a:schemeClr>
-                </a:solidFill>
-                <a:cs typeface="Arial" panose="020B0604020202020204" pitchFamily="34" charset="0"/>
-              </a:rPr>
-              <a:t>Two-Dimensional</a:t>
-            </a:r>
-          </a:p>
-          <a:p>
-            <a:pPr marL="457200" indent="-457200">
-              <a:buFont typeface="Arial" panose="020B0604020202020204" pitchFamily="34" charset="0"/>
-              <a:buChar char="•"/>
-            </a:pPr>
-            <a:r>
-              <a:rPr lang="en-US" dirty="0">
-                <a:solidFill>
-                  <a:schemeClr val="tx1">
-                    <a:lumMod val="75000"/>
-                    <a:lumOff val="25000"/>
-                  </a:schemeClr>
-                </a:solidFill>
-                <a:cs typeface="Arial" panose="020B0604020202020204" pitchFamily="34" charset="0"/>
-              </a:rPr>
-              <a:t>Multi-Dimensional Methods</a:t>
-            </a:r>
-          </a:p>
-          <a:p>
-            <a:pPr marL="457200" indent="-457200">
-              <a:buFont typeface="Arial" panose="020B0604020202020204" pitchFamily="34" charset="0"/>
-              <a:buChar char="•"/>
-            </a:pPr>
-            <a:r>
-              <a:rPr lang="en-US" dirty="0">
-                <a:solidFill>
-                  <a:schemeClr val="tx1">
-                    <a:lumMod val="75000"/>
-                    <a:lumOff val="25000"/>
-                  </a:schemeClr>
-                </a:solidFill>
-                <a:cs typeface="Arial" panose="020B0604020202020204" pitchFamily="34" charset="0"/>
-              </a:rPr>
-              <a:t>Geospatial</a:t>
-            </a:r>
-          </a:p>
-          <a:p>
-            <a:pPr marL="457200" indent="-457200">
-              <a:buFont typeface="Arial" panose="020B0604020202020204" pitchFamily="34" charset="0"/>
-              <a:buChar char="•"/>
-            </a:pPr>
-            <a:r>
-              <a:rPr lang="en-US" dirty="0">
-                <a:solidFill>
-                  <a:schemeClr val="tx1">
-                    <a:lumMod val="75000"/>
-                    <a:lumOff val="25000"/>
-                  </a:schemeClr>
-                </a:solidFill>
-                <a:cs typeface="Arial" panose="020B0604020202020204" pitchFamily="34" charset="0"/>
-              </a:rPr>
-              <a:t>General </a:t>
-            </a:r>
-          </a:p>
-          <a:p>
-            <a:pPr marL="457200" indent="-457200">
-              <a:buFont typeface="Arial" panose="020B0604020202020204" pitchFamily="34" charset="0"/>
-              <a:buChar char="•"/>
-            </a:pPr>
-            <a:endParaRPr lang="en-US" dirty="0">
-              <a:solidFill>
-                <a:schemeClr val="tx1">
-                  <a:lumMod val="75000"/>
-                  <a:lumOff val="25000"/>
-                </a:schemeClr>
-              </a:solidFill>
-              <a:cs typeface="Arial" panose="020B0604020202020204" pitchFamily="34" charset="0"/>
-            </a:endParaRPr>
-          </a:p>
-          <a:p>
-            <a:r>
-              <a:rPr lang="en-US" dirty="0">
-                <a:solidFill>
-                  <a:schemeClr val="tx1">
-                    <a:lumMod val="75000"/>
-                    <a:lumOff val="25000"/>
-                  </a:schemeClr>
-                </a:solidFill>
-                <a:cs typeface="Arial" panose="020B0604020202020204" pitchFamily="34" charset="0"/>
-              </a:rPr>
-              <a:t>A basic visualization typically requires the following steps: </a:t>
-            </a:r>
-          </a:p>
-          <a:p>
-            <a:endParaRPr lang="en-US" dirty="0">
-              <a:solidFill>
-                <a:schemeClr val="tx1">
-                  <a:lumMod val="75000"/>
-                  <a:lumOff val="25000"/>
-                </a:schemeClr>
-              </a:solidFill>
-              <a:cs typeface="Arial" panose="020B0604020202020204" pitchFamily="34" charset="0"/>
-            </a:endParaRPr>
-          </a:p>
-          <a:p>
-            <a:r>
-              <a:rPr lang="en-US" dirty="0">
-                <a:solidFill>
-                  <a:schemeClr val="tx1">
-                    <a:lumMod val="75000"/>
-                    <a:lumOff val="25000"/>
-                  </a:schemeClr>
-                </a:solidFill>
-                <a:cs typeface="Arial" panose="020B0604020202020204" pitchFamily="34" charset="0"/>
-              </a:rPr>
-              <a:t>1. Creation of a suitable dataset. </a:t>
-            </a:r>
-          </a:p>
-          <a:p>
-            <a:r>
-              <a:rPr lang="en-US" dirty="0">
-                <a:solidFill>
-                  <a:schemeClr val="tx1">
-                    <a:lumMod val="75000"/>
-                    <a:lumOff val="25000"/>
-                  </a:schemeClr>
-                </a:solidFill>
-                <a:cs typeface="Arial" panose="020B0604020202020204" pitchFamily="34" charset="0"/>
-              </a:rPr>
-              <a:t>2. Output the dataset with a suitable name, so that visualization can locate the data.</a:t>
-            </a:r>
-          </a:p>
-          <a:p>
-            <a:r>
-              <a:rPr lang="en-US" dirty="0">
-                <a:solidFill>
-                  <a:schemeClr val="tx1">
-                    <a:lumMod val="75000"/>
-                    <a:lumOff val="25000"/>
-                  </a:schemeClr>
-                </a:solidFill>
-                <a:cs typeface="Arial" panose="020B0604020202020204" pitchFamily="34" charset="0"/>
-              </a:rPr>
-              <a:t> 3. Create (and output) the visualization, referencing the named output from step </a:t>
-            </a:r>
-          </a:p>
-          <a:p>
-            <a:endParaRPr lang="en-US" sz="2400" dirty="0">
-              <a:solidFill>
-                <a:schemeClr val="accent2">
-                  <a:lumMod val="75000"/>
-                </a:schemeClr>
-              </a:solidFill>
-              <a:latin typeface="Calibri" panose="020F0502020204030204" pitchFamily="34" charset="0"/>
-              <a:cs typeface="Calibri" panose="020F0502020204030204" pitchFamily="34" charset="0"/>
-            </a:endParaRPr>
-          </a:p>
-        </p:txBody>
-      </p:sp>
-    </p:spTree>
-    <p:extLst>
-      <p:ext uri="{BB962C8B-B14F-4D97-AF65-F5344CB8AC3E}">
-        <p14:creationId xmlns:p14="http://schemas.microsoft.com/office/powerpoint/2010/main" val="2028116190"/>
-      </p:ext>
-    </p:extLst>
-  </p:cSld>
-  <p:clrMapOvr>
-    <a:masterClrMapping/>
-  </p:clrMapOvr>
-  <p:timing>
-    <p:tnLst>
-      <p:par>
-        <p:cTn id="1" dur="indefinite" restart="never" nodeType="tmRoot"/>
-      </p:par>
-    </p:tnLst>
-  </p:timing>
-</p:sld>
-</file>
-
-<file path=ppt/slides/slide29.xml><?xml version="1.0" encoding="utf-8"?>
-<p:sld xmlns:a="http://schemas.openxmlformats.org/drawingml/2006/main" xmlns:r="http://schemas.openxmlformats.org/officeDocument/2006/relationships" xmlns:p="http://schemas.openxmlformats.org/presentationml/2006/main">
-  <p:cSld>
-    <p:spTree>
-      <p:nvGrpSpPr>
-        <p:cNvPr id="1" name=""/>
-        <p:cNvGrpSpPr/>
-        <p:nvPr/>
-      </p:nvGrpSpPr>
-      <p:grpSpPr>
-        <a:xfrm>
-          <a:off x="0" y="0"/>
-          <a:ext cx="0" cy="0"/>
-          <a:chOff x="0" y="0"/>
-          <a:chExt cx="0" cy="0"/>
-        </a:xfrm>
-      </p:grpSpPr>
-      <p:pic>
-        <p:nvPicPr>
-          <p:cNvPr id="5" name="Picture 4"/>
-          <p:cNvPicPr>
-            <a:picLocks noChangeAspect="1"/>
-          </p:cNvPicPr>
-          <p:nvPr/>
-        </p:nvPicPr>
-        <p:blipFill>
-          <a:blip r:embed="rId2"/>
-          <a:stretch>
-            <a:fillRect/>
-          </a:stretch>
-        </p:blipFill>
-        <p:spPr>
-          <a:xfrm>
-            <a:off x="173270" y="302149"/>
-            <a:ext cx="6695056" cy="3053301"/>
-          </a:xfrm>
-          <a:prstGeom prst="rect">
-            <a:avLst/>
-          </a:prstGeom>
-        </p:spPr>
-      </p:pic>
-      <p:pic>
-        <p:nvPicPr>
-          <p:cNvPr id="7" name="Picture 6"/>
-          <p:cNvPicPr>
-            <a:picLocks noChangeAspect="1"/>
-          </p:cNvPicPr>
-          <p:nvPr/>
-        </p:nvPicPr>
-        <p:blipFill>
-          <a:blip r:embed="rId3"/>
-          <a:stretch>
-            <a:fillRect/>
-          </a:stretch>
-        </p:blipFill>
-        <p:spPr>
-          <a:xfrm>
-            <a:off x="6547739" y="3108960"/>
-            <a:ext cx="4252658" cy="3574815"/>
-          </a:xfrm>
-          <a:prstGeom prst="rect">
-            <a:avLst/>
-          </a:prstGeom>
-          <a:ln>
-            <a:noFill/>
-          </a:ln>
-          <a:effectLst>
-            <a:outerShdw blurRad="292100" dist="139700" dir="2700000" algn="tl" rotWithShape="0">
-              <a:srgbClr val="333333">
-                <a:alpha val="65000"/>
-              </a:srgbClr>
-            </a:outerShdw>
-          </a:effectLst>
-        </p:spPr>
-      </p:pic>
-    </p:spTree>
-    <p:extLst>
-      <p:ext uri="{BB962C8B-B14F-4D97-AF65-F5344CB8AC3E}">
-        <p14:creationId xmlns:p14="http://schemas.microsoft.com/office/powerpoint/2010/main" val="4259736543"/>
       </p:ext>
     </p:extLst>
   </p:cSld>
@@ -19554,6 +20069,396 @@
         </p:nvSpPr>
         <p:spPr>
           <a:xfrm>
+            <a:off x="571501" y="441435"/>
+            <a:ext cx="5050071" cy="584284"/>
+          </a:xfrm>
+        </p:spPr>
+        <p:txBody>
+          <a:bodyPr>
+            <a:normAutofit/>
+          </a:bodyPr>
+          <a:lstStyle/>
+          <a:p>
+            <a:pPr marL="0" indent="0">
+              <a:buNone/>
+            </a:pPr>
+            <a:r>
+              <a:rPr lang="en-US" sz="2400" b="1" dirty="0" smtClean="0">
+                <a:solidFill>
+                  <a:srgbClr val="FF0000"/>
+                </a:solidFill>
+                <a:latin typeface="Calibri" panose="020F0502020204030204" pitchFamily="34" charset="0"/>
+                <a:cs typeface="Calibri" panose="020F0502020204030204" pitchFamily="34" charset="0"/>
+              </a:rPr>
+              <a:t>VISUALIZATION </a:t>
+            </a:r>
+            <a:endParaRPr lang="en-US" sz="2400" b="1" dirty="0">
+              <a:solidFill>
+                <a:srgbClr val="FF0000"/>
+              </a:solidFill>
+              <a:latin typeface="Calibri" panose="020F0502020204030204" pitchFamily="34" charset="0"/>
+              <a:cs typeface="Calibri" panose="020F0502020204030204" pitchFamily="34" charset="0"/>
+            </a:endParaRPr>
+          </a:p>
+          <a:p>
+            <a:pPr marL="0" indent="0">
+              <a:buNone/>
+            </a:pPr>
+            <a:endParaRPr lang="en-US" dirty="0">
+              <a:solidFill>
+                <a:schemeClr val="tx1"/>
+              </a:solidFill>
+              <a:latin typeface="Calibri" panose="020F0502020204030204" pitchFamily="34" charset="0"/>
+              <a:cs typeface="Calibri" panose="020F0502020204030204" pitchFamily="34" charset="0"/>
+            </a:endParaRPr>
+          </a:p>
+        </p:txBody>
+      </p:sp>
+      <p:sp>
+        <p:nvSpPr>
+          <p:cNvPr id="3" name="Rectangle 2"/>
+          <p:cNvSpPr/>
+          <p:nvPr/>
+        </p:nvSpPr>
+        <p:spPr>
+          <a:xfrm>
+            <a:off x="571501" y="1182990"/>
+            <a:ext cx="8433683" cy="3508653"/>
+          </a:xfrm>
+          <a:prstGeom prst="rect">
+            <a:avLst/>
+          </a:prstGeom>
+        </p:spPr>
+        <p:txBody>
+          <a:bodyPr wrap="square">
+            <a:spAutoFit/>
+          </a:bodyPr>
+          <a:lstStyle/>
+          <a:p>
+            <a:r>
+              <a:rPr lang="en-US" dirty="0">
+                <a:solidFill>
+                  <a:schemeClr val="tx1">
+                    <a:lumMod val="75000"/>
+                    <a:lumOff val="25000"/>
+                  </a:schemeClr>
+                </a:solidFill>
+                <a:cs typeface="Arial" panose="020B0604020202020204" pitchFamily="34" charset="0"/>
+              </a:rPr>
+              <a:t>Methods include</a:t>
+            </a:r>
+          </a:p>
+          <a:p>
+            <a:pPr marL="457200" indent="-457200">
+              <a:buFont typeface="Arial" panose="020B0604020202020204" pitchFamily="34" charset="0"/>
+              <a:buChar char="•"/>
+            </a:pPr>
+            <a:r>
+              <a:rPr lang="en-US" dirty="0">
+                <a:solidFill>
+                  <a:schemeClr val="tx1">
+                    <a:lumMod val="75000"/>
+                    <a:lumOff val="25000"/>
+                  </a:schemeClr>
+                </a:solidFill>
+                <a:cs typeface="Arial" panose="020B0604020202020204" pitchFamily="34" charset="0"/>
+              </a:rPr>
+              <a:t>Two-Dimensional</a:t>
+            </a:r>
+          </a:p>
+          <a:p>
+            <a:pPr marL="457200" indent="-457200">
+              <a:buFont typeface="Arial" panose="020B0604020202020204" pitchFamily="34" charset="0"/>
+              <a:buChar char="•"/>
+            </a:pPr>
+            <a:r>
+              <a:rPr lang="en-US" dirty="0">
+                <a:solidFill>
+                  <a:schemeClr val="tx1">
+                    <a:lumMod val="75000"/>
+                    <a:lumOff val="25000"/>
+                  </a:schemeClr>
+                </a:solidFill>
+                <a:cs typeface="Arial" panose="020B0604020202020204" pitchFamily="34" charset="0"/>
+              </a:rPr>
+              <a:t>Multi-Dimensional Methods</a:t>
+            </a:r>
+          </a:p>
+          <a:p>
+            <a:pPr marL="457200" indent="-457200">
+              <a:buFont typeface="Arial" panose="020B0604020202020204" pitchFamily="34" charset="0"/>
+              <a:buChar char="•"/>
+            </a:pPr>
+            <a:r>
+              <a:rPr lang="en-US" dirty="0">
+                <a:solidFill>
+                  <a:schemeClr val="tx1">
+                    <a:lumMod val="75000"/>
+                    <a:lumOff val="25000"/>
+                  </a:schemeClr>
+                </a:solidFill>
+                <a:cs typeface="Arial" panose="020B0604020202020204" pitchFamily="34" charset="0"/>
+              </a:rPr>
+              <a:t>Geospatial</a:t>
+            </a:r>
+          </a:p>
+          <a:p>
+            <a:pPr marL="457200" indent="-457200">
+              <a:buFont typeface="Arial" panose="020B0604020202020204" pitchFamily="34" charset="0"/>
+              <a:buChar char="•"/>
+            </a:pPr>
+            <a:r>
+              <a:rPr lang="en-US" dirty="0">
+                <a:solidFill>
+                  <a:schemeClr val="tx1">
+                    <a:lumMod val="75000"/>
+                    <a:lumOff val="25000"/>
+                  </a:schemeClr>
+                </a:solidFill>
+                <a:cs typeface="Arial" panose="020B0604020202020204" pitchFamily="34" charset="0"/>
+              </a:rPr>
+              <a:t>General </a:t>
+            </a:r>
+          </a:p>
+          <a:p>
+            <a:pPr marL="457200" indent="-457200">
+              <a:buFont typeface="Arial" panose="020B0604020202020204" pitchFamily="34" charset="0"/>
+              <a:buChar char="•"/>
+            </a:pPr>
+            <a:endParaRPr lang="en-US" dirty="0">
+              <a:solidFill>
+                <a:schemeClr val="tx1">
+                  <a:lumMod val="75000"/>
+                  <a:lumOff val="25000"/>
+                </a:schemeClr>
+              </a:solidFill>
+              <a:cs typeface="Arial" panose="020B0604020202020204" pitchFamily="34" charset="0"/>
+            </a:endParaRPr>
+          </a:p>
+          <a:p>
+            <a:r>
+              <a:rPr lang="en-US" dirty="0">
+                <a:solidFill>
+                  <a:schemeClr val="tx1">
+                    <a:lumMod val="75000"/>
+                    <a:lumOff val="25000"/>
+                  </a:schemeClr>
+                </a:solidFill>
+                <a:cs typeface="Arial" panose="020B0604020202020204" pitchFamily="34" charset="0"/>
+              </a:rPr>
+              <a:t>A basic visualization typically requires the following steps: </a:t>
+            </a:r>
+          </a:p>
+          <a:p>
+            <a:endParaRPr lang="en-US" dirty="0">
+              <a:solidFill>
+                <a:schemeClr val="tx1">
+                  <a:lumMod val="75000"/>
+                  <a:lumOff val="25000"/>
+                </a:schemeClr>
+              </a:solidFill>
+              <a:cs typeface="Arial" panose="020B0604020202020204" pitchFamily="34" charset="0"/>
+            </a:endParaRPr>
+          </a:p>
+          <a:p>
+            <a:r>
+              <a:rPr lang="en-US" dirty="0">
+                <a:solidFill>
+                  <a:schemeClr val="tx1">
+                    <a:lumMod val="75000"/>
+                    <a:lumOff val="25000"/>
+                  </a:schemeClr>
+                </a:solidFill>
+                <a:cs typeface="Arial" panose="020B0604020202020204" pitchFamily="34" charset="0"/>
+              </a:rPr>
+              <a:t>1. Creation of a suitable dataset. </a:t>
+            </a:r>
+          </a:p>
+          <a:p>
+            <a:r>
+              <a:rPr lang="en-US" dirty="0">
+                <a:solidFill>
+                  <a:schemeClr val="tx1">
+                    <a:lumMod val="75000"/>
+                    <a:lumOff val="25000"/>
+                  </a:schemeClr>
+                </a:solidFill>
+                <a:cs typeface="Arial" panose="020B0604020202020204" pitchFamily="34" charset="0"/>
+              </a:rPr>
+              <a:t>2. Output the dataset with a suitable name, so that visualization can locate the data.</a:t>
+            </a:r>
+          </a:p>
+          <a:p>
+            <a:r>
+              <a:rPr lang="en-US" dirty="0">
+                <a:solidFill>
+                  <a:schemeClr val="tx1">
+                    <a:lumMod val="75000"/>
+                    <a:lumOff val="25000"/>
+                  </a:schemeClr>
+                </a:solidFill>
+                <a:cs typeface="Arial" panose="020B0604020202020204" pitchFamily="34" charset="0"/>
+              </a:rPr>
+              <a:t> 3. Create (and output) the visualization, referencing the named output from step </a:t>
+            </a:r>
+          </a:p>
+          <a:p>
+            <a:endParaRPr lang="en-US" sz="2400" dirty="0">
+              <a:solidFill>
+                <a:schemeClr val="accent2">
+                  <a:lumMod val="75000"/>
+                </a:schemeClr>
+              </a:solidFill>
+              <a:latin typeface="Calibri" panose="020F0502020204030204" pitchFamily="34" charset="0"/>
+              <a:cs typeface="Calibri" panose="020F0502020204030204" pitchFamily="34" charset="0"/>
+            </a:endParaRPr>
+          </a:p>
+        </p:txBody>
+      </p:sp>
+    </p:spTree>
+    <p:extLst>
+      <p:ext uri="{BB962C8B-B14F-4D97-AF65-F5344CB8AC3E}">
+        <p14:creationId xmlns:p14="http://schemas.microsoft.com/office/powerpoint/2010/main" val="2028116190"/>
+      </p:ext>
+    </p:extLst>
+  </p:cSld>
+  <p:clrMapOvr>
+    <a:masterClrMapping/>
+  </p:clrMapOvr>
+  <p:timing>
+    <p:tnLst>
+      <p:par>
+        <p:cTn id="1" dur="indefinite" restart="never" nodeType="tmRoot"/>
+      </p:par>
+    </p:tnLst>
+  </p:timing>
+</p:sld>
+</file>
+
+<file path=ppt/slides/slide31.xml><?xml version="1.0" encoding="utf-8"?>
+<p:sld xmlns:a="http://schemas.openxmlformats.org/drawingml/2006/main" xmlns:r="http://schemas.openxmlformats.org/officeDocument/2006/relationships" xmlns:p="http://schemas.openxmlformats.org/presentationml/2006/main">
+  <p:cSld>
+    <p:spTree>
+      <p:nvGrpSpPr>
+        <p:cNvPr id="1" name=""/>
+        <p:cNvGrpSpPr/>
+        <p:nvPr/>
+      </p:nvGrpSpPr>
+      <p:grpSpPr>
+        <a:xfrm>
+          <a:off x="0" y="0"/>
+          <a:ext cx="0" cy="0"/>
+          <a:chOff x="0" y="0"/>
+          <a:chExt cx="0" cy="0"/>
+        </a:xfrm>
+      </p:grpSpPr>
+      <p:pic>
+        <p:nvPicPr>
+          <p:cNvPr id="5" name="Picture 4"/>
+          <p:cNvPicPr>
+            <a:picLocks noChangeAspect="1"/>
+          </p:cNvPicPr>
+          <p:nvPr/>
+        </p:nvPicPr>
+        <p:blipFill>
+          <a:blip r:embed="rId2"/>
+          <a:stretch>
+            <a:fillRect/>
+          </a:stretch>
+        </p:blipFill>
+        <p:spPr>
+          <a:xfrm>
+            <a:off x="173270" y="302149"/>
+            <a:ext cx="6695056" cy="3053301"/>
+          </a:xfrm>
+          <a:prstGeom prst="rect">
+            <a:avLst/>
+          </a:prstGeom>
+        </p:spPr>
+      </p:pic>
+      <p:pic>
+        <p:nvPicPr>
+          <p:cNvPr id="7" name="Picture 6"/>
+          <p:cNvPicPr>
+            <a:picLocks noChangeAspect="1"/>
+          </p:cNvPicPr>
+          <p:nvPr/>
+        </p:nvPicPr>
+        <p:blipFill>
+          <a:blip r:embed="rId3"/>
+          <a:stretch>
+            <a:fillRect/>
+          </a:stretch>
+        </p:blipFill>
+        <p:spPr>
+          <a:xfrm>
+            <a:off x="6547739" y="3108960"/>
+            <a:ext cx="4252658" cy="3574815"/>
+          </a:xfrm>
+          <a:prstGeom prst="rect">
+            <a:avLst/>
+          </a:prstGeom>
+          <a:ln>
+            <a:noFill/>
+          </a:ln>
+          <a:effectLst>
+            <a:outerShdw blurRad="292100" dist="139700" dir="2700000" algn="tl" rotWithShape="0">
+              <a:srgbClr val="333333">
+                <a:alpha val="65000"/>
+              </a:srgbClr>
+            </a:outerShdw>
+          </a:effectLst>
+        </p:spPr>
+      </p:pic>
+    </p:spTree>
+    <p:extLst>
+      <p:ext uri="{BB962C8B-B14F-4D97-AF65-F5344CB8AC3E}">
+        <p14:creationId xmlns:p14="http://schemas.microsoft.com/office/powerpoint/2010/main" val="4259736543"/>
+      </p:ext>
+    </p:extLst>
+  </p:cSld>
+  <p:clrMapOvr>
+    <a:masterClrMapping/>
+  </p:clrMapOvr>
+  <p:timing>
+    <p:tnLst>
+      <p:par>
+        <p:cTn id="1" dur="indefinite" restart="never" nodeType="tmRoot"/>
+      </p:par>
+    </p:tnLst>
+  </p:timing>
+</p:sld>
+</file>
+
+<file path=ppt/slides/slide32.xml><?xml version="1.0" encoding="utf-8"?>
+<p:sld xmlns:a="http://schemas.openxmlformats.org/drawingml/2006/main" xmlns:r="http://schemas.openxmlformats.org/officeDocument/2006/relationships" xmlns:p="http://schemas.openxmlformats.org/presentationml/2006/main">
+  <p:cSld>
+    <p:spTree>
+      <p:nvGrpSpPr>
+        <p:cNvPr id="1" name=""/>
+        <p:cNvGrpSpPr/>
+        <p:nvPr/>
+      </p:nvGrpSpPr>
+      <p:grpSpPr>
+        <a:xfrm>
+          <a:off x="0" y="0"/>
+          <a:ext cx="0" cy="0"/>
+          <a:chOff x="0" y="0"/>
+          <a:chExt cx="0" cy="0"/>
+        </a:xfrm>
+      </p:grpSpPr>
+      <p:sp>
+        <p:nvSpPr>
+          <p:cNvPr id="2" name="Content Placeholder 2"/>
+          <p:cNvSpPr>
+            <a:spLocks noGrp="1"/>
+          </p:cNvSpPr>
+          <p:nvPr>
+            <p:ph idx="1"/>
+          </p:nvPr>
+        </p:nvSpPr>
+        <p:spPr>
+          <a:xfrm>
             <a:off x="571501" y="441434"/>
             <a:ext cx="5880814" cy="433209"/>
           </a:xfrm>
@@ -19770,7 +20675,7 @@
 </p:sld>
 </file>
 
-<file path=ppt/slides/slide31.xml><?xml version="1.0" encoding="utf-8"?>
+<file path=ppt/slides/slide33.xml><?xml version="1.0" encoding="utf-8"?>
 <p:sld xmlns:a="http://schemas.openxmlformats.org/drawingml/2006/main" xmlns:r="http://schemas.openxmlformats.org/officeDocument/2006/relationships" xmlns:p="http://schemas.openxmlformats.org/presentationml/2006/main">
   <p:cSld>
     <p:spTree>

--- a/HPCC_Systems.pptx
+++ b/HPCC_Systems.pptx
@@ -5,7 +5,7 @@
     <p:sldMasterId id="2147483671" r:id="rId1"/>
   </p:sldMasterIdLst>
   <p:notesMasterIdLst>
-    <p:notesMasterId r:id="rId35"/>
+    <p:notesMasterId r:id="rId34"/>
   </p:notesMasterIdLst>
   <p:sldIdLst>
     <p:sldId id="257" r:id="rId2"/>
@@ -15,32 +15,31 @@
     <p:sldId id="261" r:id="rId6"/>
     <p:sldId id="262" r:id="rId7"/>
     <p:sldId id="263" r:id="rId8"/>
-    <p:sldId id="264" r:id="rId9"/>
-    <p:sldId id="265" r:id="rId10"/>
-    <p:sldId id="266" r:id="rId11"/>
-    <p:sldId id="258" r:id="rId12"/>
-    <p:sldId id="267" r:id="rId13"/>
-    <p:sldId id="292" r:id="rId14"/>
-    <p:sldId id="293" r:id="rId15"/>
-    <p:sldId id="268" r:id="rId16"/>
-    <p:sldId id="269" r:id="rId17"/>
-    <p:sldId id="291" r:id="rId18"/>
-    <p:sldId id="271" r:id="rId19"/>
-    <p:sldId id="272" r:id="rId20"/>
-    <p:sldId id="295" r:id="rId21"/>
-    <p:sldId id="296" r:id="rId22"/>
-    <p:sldId id="273" r:id="rId23"/>
-    <p:sldId id="275" r:id="rId24"/>
-    <p:sldId id="274" r:id="rId25"/>
-    <p:sldId id="276" r:id="rId26"/>
-    <p:sldId id="277" r:id="rId27"/>
-    <p:sldId id="278" r:id="rId28"/>
-    <p:sldId id="279" r:id="rId29"/>
-    <p:sldId id="280" r:id="rId30"/>
-    <p:sldId id="281" r:id="rId31"/>
-    <p:sldId id="282" r:id="rId32"/>
-    <p:sldId id="283" r:id="rId33"/>
-    <p:sldId id="284" r:id="rId34"/>
+    <p:sldId id="265" r:id="rId9"/>
+    <p:sldId id="266" r:id="rId10"/>
+    <p:sldId id="258" r:id="rId11"/>
+    <p:sldId id="267" r:id="rId12"/>
+    <p:sldId id="292" r:id="rId13"/>
+    <p:sldId id="293" r:id="rId14"/>
+    <p:sldId id="268" r:id="rId15"/>
+    <p:sldId id="269" r:id="rId16"/>
+    <p:sldId id="291" r:id="rId17"/>
+    <p:sldId id="271" r:id="rId18"/>
+    <p:sldId id="272" r:id="rId19"/>
+    <p:sldId id="295" r:id="rId20"/>
+    <p:sldId id="296" r:id="rId21"/>
+    <p:sldId id="273" r:id="rId22"/>
+    <p:sldId id="275" r:id="rId23"/>
+    <p:sldId id="274" r:id="rId24"/>
+    <p:sldId id="276" r:id="rId25"/>
+    <p:sldId id="277" r:id="rId26"/>
+    <p:sldId id="278" r:id="rId27"/>
+    <p:sldId id="279" r:id="rId28"/>
+    <p:sldId id="280" r:id="rId29"/>
+    <p:sldId id="281" r:id="rId30"/>
+    <p:sldId id="282" r:id="rId31"/>
+    <p:sldId id="283" r:id="rId32"/>
+    <p:sldId id="284" r:id="rId33"/>
   </p:sldIdLst>
   <p:sldSz cx="12192000" cy="6858000"/>
   <p:notesSz cx="6858000" cy="9144000"/>
@@ -244,7 +243,7 @@
           <a:p>
             <a:fld id="{B36D61BC-D97E-4621-A406-6D7D11D2A1E0}" type="datetimeFigureOut">
               <a:rPr lang="en-US" smtClean="0"/>
-              <a:t>5/14/2020</a:t>
+              <a:t>5/18/2020</a:t>
             </a:fld>
             <a:endParaRPr lang="en-US"/>
           </a:p>
@@ -1156,7 +1155,7 @@
           <a:p>
             <a:fld id="{1D82C854-1B18-4210-81DE-4A9FD8520CEE}" type="slidenum">
               <a:rPr lang="en-US" smtClean="0"/>
-              <a:t>21</a:t>
+              <a:t>20</a:t>
             </a:fld>
             <a:endParaRPr lang="en-US"/>
           </a:p>
@@ -1371,7 +1370,7 @@
           <a:p>
             <a:fld id="{4AAD347D-5ACD-4C99-B74B-A9C85AD731AF}" type="datetimeFigureOut">
               <a:rPr lang="en-US" smtClean="0"/>
-              <a:t>5/14/2020</a:t>
+              <a:t>5/18/2020</a:t>
             </a:fld>
             <a:endParaRPr lang="en-US" dirty="0"/>
           </a:p>
@@ -1652,7 +1651,7 @@
           <a:p>
             <a:fld id="{4509A250-FF31-4206-8172-F9D3106AACB1}" type="datetimeFigureOut">
               <a:rPr lang="en-US" smtClean="0"/>
-              <a:t>5/14/2020</a:t>
+              <a:t>5/18/2020</a:t>
             </a:fld>
             <a:endParaRPr lang="en-US" dirty="0"/>
           </a:p>
@@ -1844,7 +1843,7 @@
           <a:p>
             <a:fld id="{4509A250-FF31-4206-8172-F9D3106AACB1}" type="datetimeFigureOut">
               <a:rPr lang="en-US" smtClean="0"/>
-              <a:t>5/14/2020</a:t>
+              <a:t>5/18/2020</a:t>
             </a:fld>
             <a:endParaRPr lang="en-US" dirty="0"/>
           </a:p>
@@ -2105,7 +2104,7 @@
           <a:p>
             <a:fld id="{4AAD347D-5ACD-4C99-B74B-A9C85AD731AF}" type="datetimeFigureOut">
               <a:rPr lang="en-US" smtClean="0"/>
-              <a:t>5/14/2020</a:t>
+              <a:t>5/18/2020</a:t>
             </a:fld>
             <a:endParaRPr lang="en-US" dirty="0"/>
           </a:p>
@@ -2532,7 +2531,7 @@
           <a:p>
             <a:fld id="{4AAD347D-5ACD-4C99-B74B-A9C85AD731AF}" type="datetimeFigureOut">
               <a:rPr lang="en-US" smtClean="0"/>
-              <a:t>5/14/2020</a:t>
+              <a:t>5/18/2020</a:t>
             </a:fld>
             <a:endParaRPr lang="en-US" dirty="0"/>
           </a:p>
@@ -3079,7 +3078,7 @@
           <a:p>
             <a:fld id="{4509A250-FF31-4206-8172-F9D3106AACB1}" type="datetimeFigureOut">
               <a:rPr lang="en-US" smtClean="0"/>
-              <a:t>5/14/2020</a:t>
+              <a:t>5/18/2020</a:t>
             </a:fld>
             <a:endParaRPr lang="en-US" dirty="0"/>
           </a:p>
@@ -3910,7 +3909,7 @@
           <a:p>
             <a:fld id="{4509A250-FF31-4206-8172-F9D3106AACB1}" type="datetimeFigureOut">
               <a:rPr lang="en-US" smtClean="0"/>
-              <a:t>5/14/2020</a:t>
+              <a:t>5/18/2020</a:t>
             </a:fld>
             <a:endParaRPr lang="en-US" dirty="0"/>
           </a:p>
@@ -4080,7 +4079,7 @@
           <a:p>
             <a:fld id="{4509A250-FF31-4206-8172-F9D3106AACB1}" type="datetimeFigureOut">
               <a:rPr lang="en-US" smtClean="0"/>
-              <a:t>5/14/2020</a:t>
+              <a:t>5/18/2020</a:t>
             </a:fld>
             <a:endParaRPr lang="en-US" dirty="0"/>
           </a:p>
@@ -4260,7 +4259,7 @@
           <a:p>
             <a:fld id="{4509A250-FF31-4206-8172-F9D3106AACB1}" type="datetimeFigureOut">
               <a:rPr lang="en-US" smtClean="0"/>
-              <a:t>5/14/2020</a:t>
+              <a:t>5/18/2020</a:t>
             </a:fld>
             <a:endParaRPr lang="en-US" dirty="0"/>
           </a:p>
@@ -4430,7 +4429,7 @@
           <a:p>
             <a:fld id="{4509A250-FF31-4206-8172-F9D3106AACB1}" type="datetimeFigureOut">
               <a:rPr lang="en-US" smtClean="0"/>
-              <a:t>5/14/2020</a:t>
+              <a:t>5/18/2020</a:t>
             </a:fld>
             <a:endParaRPr lang="en-US" dirty="0"/>
           </a:p>
@@ -4687,7 +4686,7 @@
           <a:p>
             <a:fld id="{9796027F-7875-4030-9381-8BD8C4F21935}" type="datetimeFigureOut">
               <a:rPr lang="en-US" smtClean="0"/>
-              <a:t>5/14/2020</a:t>
+              <a:t>5/18/2020</a:t>
             </a:fld>
             <a:endParaRPr lang="en-US" dirty="0"/>
           </a:p>
@@ -4919,7 +4918,7 @@
           <a:p>
             <a:fld id="{9796027F-7875-4030-9381-8BD8C4F21935}" type="datetimeFigureOut">
               <a:rPr lang="en-US" smtClean="0"/>
-              <a:t>5/14/2020</a:t>
+              <a:t>5/18/2020</a:t>
             </a:fld>
             <a:endParaRPr lang="en-US" dirty="0"/>
           </a:p>
@@ -5312,7 +5311,7 @@
           <a:p>
             <a:fld id="{9796027F-7875-4030-9381-8BD8C4F21935}" type="datetimeFigureOut">
               <a:rPr lang="en-US" smtClean="0"/>
-              <a:t>5/14/2020</a:t>
+              <a:t>5/18/2020</a:t>
             </a:fld>
             <a:endParaRPr lang="en-US" dirty="0"/>
           </a:p>
@@ -5430,7 +5429,7 @@
           <a:p>
             <a:fld id="{4509A250-FF31-4206-8172-F9D3106AACB1}" type="datetimeFigureOut">
               <a:rPr lang="en-US" smtClean="0"/>
-              <a:t>5/14/2020</a:t>
+              <a:t>5/18/2020</a:t>
             </a:fld>
             <a:endParaRPr lang="en-US" dirty="0"/>
           </a:p>
@@ -5525,7 +5524,7 @@
           <a:p>
             <a:fld id="{4509A250-FF31-4206-8172-F9D3106AACB1}" type="datetimeFigureOut">
               <a:rPr lang="en-US" smtClean="0"/>
-              <a:t>5/14/2020</a:t>
+              <a:t>5/18/2020</a:t>
             </a:fld>
             <a:endParaRPr lang="en-US" dirty="0"/>
           </a:p>
@@ -5798,7 +5797,7 @@
           <a:p>
             <a:fld id="{4509A250-FF31-4206-8172-F9D3106AACB1}" type="datetimeFigureOut">
               <a:rPr lang="en-US" smtClean="0"/>
-              <a:t>5/14/2020</a:t>
+              <a:t>5/18/2020</a:t>
             </a:fld>
             <a:endParaRPr lang="en-US" dirty="0"/>
           </a:p>
@@ -6079,7 +6078,7 @@
           <a:p>
             <a:fld id="{4509A250-FF31-4206-8172-F9D3106AACB1}" type="datetimeFigureOut">
               <a:rPr lang="en-US" smtClean="0"/>
-              <a:t>5/14/2020</a:t>
+              <a:t>5/18/2020</a:t>
             </a:fld>
             <a:endParaRPr lang="en-US" dirty="0"/>
           </a:p>
@@ -6319,7 +6318,7 @@
           <a:p>
             <a:fld id="{4AAD347D-5ACD-4C99-B74B-A9C85AD731AF}" type="datetimeFigureOut">
               <a:rPr lang="en-US" smtClean="0"/>
-              <a:t>5/14/2020</a:t>
+              <a:t>5/18/2020</a:t>
             </a:fld>
             <a:endParaRPr lang="en-US" dirty="0"/>
           </a:p>
@@ -7070,252 +7069,6 @@
       </p:grpSpPr>
       <p:sp>
         <p:nvSpPr>
-          <p:cNvPr id="2" name="TextBox 1"/>
-          <p:cNvSpPr txBox="1"/>
-          <p:nvPr/>
-        </p:nvSpPr>
-        <p:spPr>
-          <a:xfrm>
-            <a:off x="555861" y="318837"/>
-            <a:ext cx="7157545" cy="707886"/>
-          </a:xfrm>
-          <a:prstGeom prst="rect">
-            <a:avLst/>
-          </a:prstGeom>
-          <a:noFill/>
-        </p:spPr>
-        <p:txBody>
-          <a:bodyPr wrap="square" rtlCol="0">
-            <a:spAutoFit/>
-          </a:bodyPr>
-          <a:lstStyle/>
-          <a:p>
-            <a:pPr algn="l"/>
-            <a:r>
-              <a:rPr lang="en-US" sz="4000" dirty="0">
-                <a:solidFill>
-                  <a:schemeClr val="tx1">
-                    <a:lumMod val="65000"/>
-                    <a:lumOff val="35000"/>
-                  </a:schemeClr>
-                </a:solidFill>
-                <a:latin typeface="Calibri" panose="020F0502020204030204" pitchFamily="34" charset="0"/>
-                <a:cs typeface="Calibri" panose="020F0502020204030204" pitchFamily="34" charset="0"/>
-              </a:rPr>
-              <a:t>Cloud IDE</a:t>
-            </a:r>
-          </a:p>
-        </p:txBody>
-      </p:sp>
-      <p:pic>
-        <p:nvPicPr>
-          <p:cNvPr id="4" name="Picture 3"/>
-          <p:cNvPicPr>
-            <a:picLocks noChangeAspect="1"/>
-          </p:cNvPicPr>
-          <p:nvPr/>
-        </p:nvPicPr>
-        <p:blipFill>
-          <a:blip r:embed="rId2"/>
-          <a:stretch>
-            <a:fillRect/>
-          </a:stretch>
-        </p:blipFill>
-        <p:spPr>
-          <a:xfrm>
-            <a:off x="7508064" y="2436364"/>
-            <a:ext cx="3369038" cy="1656160"/>
-          </a:xfrm>
-          <a:prstGeom prst="rect">
-            <a:avLst/>
-          </a:prstGeom>
-          <a:ln>
-            <a:noFill/>
-          </a:ln>
-          <a:effectLst>
-            <a:outerShdw blurRad="44450" dist="27940" dir="5400000" algn="ctr">
-              <a:srgbClr val="000000">
-                <a:alpha val="32000"/>
-              </a:srgbClr>
-            </a:outerShdw>
-          </a:effectLst>
-          <a:scene3d>
-            <a:camera prst="orthographicFront">
-              <a:rot lat="0" lon="0" rev="0"/>
-            </a:camera>
-            <a:lightRig rig="balanced" dir="t">
-              <a:rot lat="0" lon="0" rev="8700000"/>
-            </a:lightRig>
-          </a:scene3d>
-          <a:sp3d>
-            <a:bevelT w="190500" h="38100"/>
-          </a:sp3d>
-        </p:spPr>
-      </p:pic>
-      <p:sp>
-        <p:nvSpPr>
-          <p:cNvPr id="5" name="TextBox 4"/>
-          <p:cNvSpPr txBox="1"/>
-          <p:nvPr/>
-        </p:nvSpPr>
-        <p:spPr>
-          <a:xfrm>
-            <a:off x="555861" y="5502166"/>
-            <a:ext cx="10790565" cy="707886"/>
-          </a:xfrm>
-          <a:prstGeom prst="rect">
-            <a:avLst/>
-          </a:prstGeom>
-          <a:noFill/>
-        </p:spPr>
-        <p:txBody>
-          <a:bodyPr wrap="square" rtlCol="0">
-            <a:spAutoFit/>
-          </a:bodyPr>
-          <a:lstStyle/>
-          <a:p>
-            <a:pPr algn="l"/>
-            <a:r>
-              <a:rPr lang="en-US" sz="2000" dirty="0">
-                <a:solidFill>
-                  <a:schemeClr val="tx1">
-                    <a:lumMod val="65000"/>
-                    <a:lumOff val="35000"/>
-                  </a:schemeClr>
-                </a:solidFill>
-                <a:latin typeface="Calibri" panose="020F0502020204030204" pitchFamily="34" charset="0"/>
-                <a:cs typeface="Calibri" panose="020F0502020204030204" pitchFamily="34" charset="0"/>
-              </a:rPr>
-              <a:t>Please see </a:t>
-            </a:r>
-            <a:r>
-              <a:rPr lang="en-US" sz="2000" dirty="0" smtClean="0">
-                <a:solidFill>
-                  <a:schemeClr val="tx1">
-                    <a:lumMod val="65000"/>
-                    <a:lumOff val="35000"/>
-                  </a:schemeClr>
-                </a:solidFill>
-                <a:latin typeface="Calibri" panose="020F0502020204030204" pitchFamily="34" charset="0"/>
-                <a:cs typeface="Calibri" panose="020F0502020204030204" pitchFamily="34" charset="0"/>
-              </a:rPr>
-              <a:t>following for how to register and tutorial </a:t>
-            </a:r>
-          </a:p>
-          <a:p>
-            <a:r>
-              <a:rPr lang="en-US" sz="2000" dirty="0">
-                <a:latin typeface="Calibri" panose="020F0502020204030204" pitchFamily="34" charset="0"/>
-                <a:cs typeface="Calibri" panose="020F0502020204030204" pitchFamily="34" charset="0"/>
-                <a:hlinkClick r:id="rId3"/>
-              </a:rPr>
-              <a:t>https://github.com/hpccsystems-solutions-lab</a:t>
-            </a:r>
-            <a:r>
-              <a:rPr lang="en-US" sz="2000" dirty="0" smtClean="0">
-                <a:latin typeface="Calibri" panose="020F0502020204030204" pitchFamily="34" charset="0"/>
-                <a:cs typeface="Calibri" panose="020F0502020204030204" pitchFamily="34" charset="0"/>
-                <a:hlinkClick r:id="rId4"/>
-              </a:rPr>
-              <a:t>/CodeDay_May2020/blob/master/CloudIDE-Setup.pdf</a:t>
-            </a:r>
-            <a:endParaRPr lang="en-US" sz="2000" dirty="0">
-              <a:solidFill>
-                <a:schemeClr val="tx1">
-                  <a:lumMod val="65000"/>
-                  <a:lumOff val="35000"/>
-                </a:schemeClr>
-              </a:solidFill>
-              <a:latin typeface="Calibri" panose="020F0502020204030204" pitchFamily="34" charset="0"/>
-              <a:cs typeface="Calibri" panose="020F0502020204030204" pitchFamily="34" charset="0"/>
-            </a:endParaRPr>
-          </a:p>
-        </p:txBody>
-      </p:sp>
-      <p:pic>
-        <p:nvPicPr>
-          <p:cNvPr id="6" name="Picture 5"/>
-          <p:cNvPicPr>
-            <a:picLocks noChangeAspect="1"/>
-          </p:cNvPicPr>
-          <p:nvPr/>
-        </p:nvPicPr>
-        <p:blipFill>
-          <a:blip r:embed="rId5"/>
-          <a:stretch>
-            <a:fillRect/>
-          </a:stretch>
-        </p:blipFill>
-        <p:spPr>
-          <a:xfrm>
-            <a:off x="964938" y="1104400"/>
-            <a:ext cx="5330186" cy="4205288"/>
-          </a:xfrm>
-          <a:prstGeom prst="rect">
-            <a:avLst/>
-          </a:prstGeom>
-          <a:ln>
-            <a:noFill/>
-          </a:ln>
-          <a:effectLst>
-            <a:outerShdw blurRad="44450" dist="27940" dir="5400000" algn="ctr">
-              <a:srgbClr val="000000">
-                <a:alpha val="32000"/>
-              </a:srgbClr>
-            </a:outerShdw>
-          </a:effectLst>
-          <a:scene3d>
-            <a:camera prst="orthographicFront">
-              <a:rot lat="0" lon="0" rev="0"/>
-            </a:camera>
-            <a:lightRig rig="balanced" dir="t">
-              <a:rot lat="0" lon="0" rev="8700000"/>
-            </a:lightRig>
-          </a:scene3d>
-          <a:sp3d>
-            <a:bevelT w="190500" h="38100"/>
-          </a:sp3d>
-        </p:spPr>
-      </p:pic>
-    </p:spTree>
-    <p:extLst>
-      <p:ext uri="{BB962C8B-B14F-4D97-AF65-F5344CB8AC3E}">
-        <p14:creationId xmlns:p14="http://schemas.microsoft.com/office/powerpoint/2010/main" val="2703376827"/>
-      </p:ext>
-    </p:extLst>
-  </p:cSld>
-  <p:clrMapOvr>
-    <a:masterClrMapping/>
-  </p:clrMapOvr>
-  <p:timing>
-    <p:tnLst>
-      <p:par>
-        <p:cTn id="1" dur="indefinite" restart="never" nodeType="tmRoot"/>
-      </p:par>
-    </p:tnLst>
-  </p:timing>
-</p:sld>
-</file>
-
-<file path=ppt/slides/slide11.xml><?xml version="1.0" encoding="utf-8"?>
-<p:sld xmlns:a="http://schemas.openxmlformats.org/drawingml/2006/main" xmlns:r="http://schemas.openxmlformats.org/officeDocument/2006/relationships" xmlns:p="http://schemas.openxmlformats.org/presentationml/2006/main">
-  <p:cSld>
-    <p:spTree>
-      <p:nvGrpSpPr>
-        <p:cNvPr id="1" name=""/>
-        <p:cNvGrpSpPr/>
-        <p:nvPr/>
-      </p:nvGrpSpPr>
-      <p:grpSpPr>
-        <a:xfrm>
-          <a:off x="0" y="0"/>
-          <a:ext cx="0" cy="0"/>
-          <a:chOff x="0" y="0"/>
-          <a:chExt cx="0" cy="0"/>
-        </a:xfrm>
-      </p:grpSpPr>
-      <p:sp>
-        <p:nvSpPr>
           <p:cNvPr id="5" name="Title 13">
             <a:extLst>
               <a:ext uri="{FF2B5EF4-FFF2-40B4-BE49-F238E27FC236}">
@@ -7678,7 +7431,7 @@
 </p:sld>
 </file>
 
-<file path=ppt/slides/slide12.xml><?xml version="1.0" encoding="utf-8"?>
+<file path=ppt/slides/slide11.xml><?xml version="1.0" encoding="utf-8"?>
 <p:sld xmlns:a="http://schemas.openxmlformats.org/drawingml/2006/main" xmlns:r="http://schemas.openxmlformats.org/officeDocument/2006/relationships" xmlns:p="http://schemas.openxmlformats.org/presentationml/2006/main">
   <p:cSld>
     <p:spTree>
@@ -8918,7 +8671,7 @@
 </p:sld>
 </file>
 
-<file path=ppt/slides/slide13.xml><?xml version="1.0" encoding="utf-8"?>
+<file path=ppt/slides/slide12.xml><?xml version="1.0" encoding="utf-8"?>
 <p:sld xmlns:a="http://schemas.openxmlformats.org/drawingml/2006/main" xmlns:r="http://schemas.openxmlformats.org/officeDocument/2006/relationships" xmlns:p="http://schemas.openxmlformats.org/presentationml/2006/main">
   <p:cSld>
     <p:spTree>
@@ -9090,7 +8843,7 @@
 </p:sld>
 </file>
 
-<file path=ppt/slides/slide14.xml><?xml version="1.0" encoding="utf-8"?>
+<file path=ppt/slides/slide13.xml><?xml version="1.0" encoding="utf-8"?>
 <p:sld xmlns:a="http://schemas.openxmlformats.org/drawingml/2006/main" xmlns:r="http://schemas.openxmlformats.org/officeDocument/2006/relationships" xmlns:p="http://schemas.openxmlformats.org/presentationml/2006/main">
   <p:cSld>
     <p:spTree>
@@ -9360,7 +9113,7 @@
 </p:sld>
 </file>
 
-<file path=ppt/slides/slide15.xml><?xml version="1.0" encoding="utf-8"?>
+<file path=ppt/slides/slide14.xml><?xml version="1.0" encoding="utf-8"?>
 <p:sld xmlns:a="http://schemas.openxmlformats.org/drawingml/2006/main" xmlns:r="http://schemas.openxmlformats.org/officeDocument/2006/relationships" xmlns:p="http://schemas.openxmlformats.org/presentationml/2006/main">
   <p:cSld>
     <p:spTree>
@@ -9587,7 +9340,7 @@
 </p:sld>
 </file>
 
-<file path=ppt/slides/slide16.xml><?xml version="1.0" encoding="utf-8"?>
+<file path=ppt/slides/slide15.xml><?xml version="1.0" encoding="utf-8"?>
 <p:sld xmlns:a="http://schemas.openxmlformats.org/drawingml/2006/main" xmlns:r="http://schemas.openxmlformats.org/officeDocument/2006/relationships" xmlns:p="http://schemas.openxmlformats.org/presentationml/2006/main">
   <p:cSld>
     <p:spTree>
@@ -9697,7 +9450,7 @@
 </p:sld>
 </file>
 
-<file path=ppt/slides/slide17.xml><?xml version="1.0" encoding="utf-8"?>
+<file path=ppt/slides/slide16.xml><?xml version="1.0" encoding="utf-8"?>
 <p:sld xmlns:a="http://schemas.openxmlformats.org/drawingml/2006/main" xmlns:r="http://schemas.openxmlformats.org/officeDocument/2006/relationships" xmlns:p="http://schemas.openxmlformats.org/presentationml/2006/main">
   <p:cSld>
     <p:spTree>
@@ -10047,7 +9800,7 @@
 </p:sld>
 </file>
 
-<file path=ppt/slides/slide18.xml><?xml version="1.0" encoding="utf-8"?>
+<file path=ppt/slides/slide17.xml><?xml version="1.0" encoding="utf-8"?>
 <p:sld xmlns:a="http://schemas.openxmlformats.org/drawingml/2006/main" xmlns:r="http://schemas.openxmlformats.org/officeDocument/2006/relationships" xmlns:p="http://schemas.openxmlformats.org/presentationml/2006/main">
   <p:cSld>
     <p:spTree>
@@ -10380,7 +10133,7 @@
 </p:sld>
 </file>
 
-<file path=ppt/slides/slide19.xml><?xml version="1.0" encoding="utf-8"?>
+<file path=ppt/slides/slide18.xml><?xml version="1.0" encoding="utf-8"?>
 <p:sld xmlns:a="http://schemas.openxmlformats.org/drawingml/2006/main" xmlns:r="http://schemas.openxmlformats.org/officeDocument/2006/relationships" xmlns:p="http://schemas.openxmlformats.org/presentationml/2006/main">
   <p:cSld>
     <p:spTree>
@@ -10510,6 +10263,300 @@
 </p:sld>
 </file>
 
+<file path=ppt/slides/slide19.xml><?xml version="1.0" encoding="utf-8"?>
+<p:sld xmlns:a="http://schemas.openxmlformats.org/drawingml/2006/main" xmlns:r="http://schemas.openxmlformats.org/officeDocument/2006/relationships" xmlns:p="http://schemas.openxmlformats.org/presentationml/2006/main">
+  <p:cSld>
+    <p:spTree>
+      <p:nvGrpSpPr>
+        <p:cNvPr id="1" name=""/>
+        <p:cNvGrpSpPr/>
+        <p:nvPr/>
+      </p:nvGrpSpPr>
+      <p:grpSpPr>
+        <a:xfrm>
+          <a:off x="0" y="0"/>
+          <a:ext cx="0" cy="0"/>
+          <a:chOff x="0" y="0"/>
+          <a:chExt cx="0" cy="0"/>
+        </a:xfrm>
+      </p:grpSpPr>
+      <p:sp>
+        <p:nvSpPr>
+          <p:cNvPr id="4" name="Content Placeholder 2"/>
+          <p:cNvSpPr>
+            <a:spLocks noGrp="1"/>
+          </p:cNvSpPr>
+          <p:nvPr>
+            <p:ph idx="1"/>
+          </p:nvPr>
+        </p:nvSpPr>
+        <p:spPr>
+          <a:xfrm>
+            <a:off x="571501" y="441434"/>
+            <a:ext cx="3060341" cy="705008"/>
+          </a:xfrm>
+        </p:spPr>
+        <p:txBody>
+          <a:bodyPr>
+            <a:noAutofit/>
+          </a:bodyPr>
+          <a:lstStyle/>
+          <a:p>
+            <a:pPr marL="0" indent="0">
+              <a:buNone/>
+            </a:pPr>
+            <a:r>
+              <a:rPr lang="en-US" sz="4000" b="1" dirty="0" smtClean="0">
+                <a:solidFill>
+                  <a:srgbClr val="FF0000"/>
+                </a:solidFill>
+                <a:latin typeface="Calibri" panose="020F0502020204030204" pitchFamily="34" charset="0"/>
+                <a:cs typeface="Calibri" panose="020F0502020204030204" pitchFamily="34" charset="0"/>
+              </a:rPr>
+              <a:t>Correlation</a:t>
+            </a:r>
+            <a:endParaRPr lang="en-US" sz="4000" b="1" dirty="0">
+              <a:solidFill>
+                <a:srgbClr val="FF0000"/>
+              </a:solidFill>
+              <a:latin typeface="Calibri" panose="020F0502020204030204" pitchFamily="34" charset="0"/>
+              <a:cs typeface="Calibri" panose="020F0502020204030204" pitchFamily="34" charset="0"/>
+            </a:endParaRPr>
+          </a:p>
+          <a:p>
+            <a:pPr marL="0" indent="0">
+              <a:buNone/>
+            </a:pPr>
+            <a:endParaRPr lang="en-US" sz="4000" dirty="0">
+              <a:solidFill>
+                <a:schemeClr val="tx1"/>
+              </a:solidFill>
+              <a:latin typeface="Calibri" panose="020F0502020204030204" pitchFamily="34" charset="0"/>
+              <a:cs typeface="Calibri" panose="020F0502020204030204" pitchFamily="34" charset="0"/>
+            </a:endParaRPr>
+          </a:p>
+        </p:txBody>
+      </p:sp>
+      <p:sp>
+        <p:nvSpPr>
+          <p:cNvPr id="5" name="Rectangle 4"/>
+          <p:cNvSpPr/>
+          <p:nvPr/>
+        </p:nvSpPr>
+        <p:spPr>
+          <a:xfrm>
+            <a:off x="571501" y="1872154"/>
+            <a:ext cx="11006606" cy="3785652"/>
+          </a:xfrm>
+          <a:prstGeom prst="rect">
+            <a:avLst/>
+          </a:prstGeom>
+        </p:spPr>
+        <p:txBody>
+          <a:bodyPr wrap="square">
+            <a:spAutoFit/>
+          </a:bodyPr>
+          <a:lstStyle/>
+          <a:p>
+            <a:r>
+              <a:rPr lang="en-US" sz="2400" dirty="0">
+                <a:latin typeface="Calibri" panose="020F0502020204030204" pitchFamily="34" charset="0"/>
+                <a:cs typeface="Calibri" panose="020F0502020204030204" pitchFamily="34" charset="0"/>
+              </a:rPr>
+              <a:t>When two sets of data are strongly linked together we say they have a </a:t>
+            </a:r>
+            <a:r>
+              <a:rPr lang="en-US" sz="2400" b="1" dirty="0">
+                <a:solidFill>
+                  <a:srgbClr val="FFC000"/>
+                </a:solidFill>
+                <a:latin typeface="Calibri" panose="020F0502020204030204" pitchFamily="34" charset="0"/>
+                <a:cs typeface="Calibri" panose="020F0502020204030204" pitchFamily="34" charset="0"/>
+              </a:rPr>
+              <a:t>High</a:t>
+            </a:r>
+            <a:r>
+              <a:rPr lang="en-US" sz="2400" dirty="0">
+                <a:latin typeface="Calibri" panose="020F0502020204030204" pitchFamily="34" charset="0"/>
+                <a:cs typeface="Calibri" panose="020F0502020204030204" pitchFamily="34" charset="0"/>
+              </a:rPr>
+              <a:t> Correlation</a:t>
+            </a:r>
+            <a:r>
+              <a:rPr lang="en-US" sz="2400" dirty="0" smtClean="0">
+                <a:latin typeface="Calibri" panose="020F0502020204030204" pitchFamily="34" charset="0"/>
+                <a:cs typeface="Calibri" panose="020F0502020204030204" pitchFamily="34" charset="0"/>
+              </a:rPr>
+              <a:t>.</a:t>
+            </a:r>
+          </a:p>
+          <a:p>
+            <a:endParaRPr lang="en-US" sz="2400" dirty="0" smtClean="0">
+              <a:latin typeface="Calibri" panose="020F0502020204030204" pitchFamily="34" charset="0"/>
+              <a:cs typeface="Calibri" panose="020F0502020204030204" pitchFamily="34" charset="0"/>
+            </a:endParaRPr>
+          </a:p>
+          <a:p>
+            <a:endParaRPr lang="en-US" sz="2400" dirty="0">
+              <a:solidFill>
+                <a:schemeClr val="accent2">
+                  <a:lumMod val="75000"/>
+                </a:schemeClr>
+              </a:solidFill>
+              <a:latin typeface="Calibri" panose="020F0502020204030204" pitchFamily="34" charset="0"/>
+              <a:cs typeface="Calibri" panose="020F0502020204030204" pitchFamily="34" charset="0"/>
+            </a:endParaRPr>
+          </a:p>
+          <a:p>
+            <a:r>
+              <a:rPr lang="en-US" sz="2400" dirty="0">
+                <a:latin typeface="Calibri" panose="020F0502020204030204" pitchFamily="34" charset="0"/>
+                <a:cs typeface="Calibri" panose="020F0502020204030204" pitchFamily="34" charset="0"/>
+              </a:rPr>
+              <a:t>Correlation can have a </a:t>
+            </a:r>
+            <a:r>
+              <a:rPr lang="en-US" sz="2400">
+                <a:latin typeface="Calibri" panose="020F0502020204030204" pitchFamily="34" charset="0"/>
+                <a:cs typeface="Calibri" panose="020F0502020204030204" pitchFamily="34" charset="0"/>
+              </a:rPr>
+              <a:t>value</a:t>
+            </a:r>
+            <a:r>
+              <a:rPr lang="en-US" sz="2400" smtClean="0">
+                <a:latin typeface="Calibri" panose="020F0502020204030204" pitchFamily="34" charset="0"/>
+                <a:cs typeface="Calibri" panose="020F0502020204030204" pitchFamily="34" charset="0"/>
+              </a:rPr>
+              <a:t>:</a:t>
+            </a:r>
+          </a:p>
+          <a:p>
+            <a:endParaRPr lang="en-US" sz="2400" dirty="0">
+              <a:latin typeface="Calibri" panose="020F0502020204030204" pitchFamily="34" charset="0"/>
+              <a:cs typeface="Calibri" panose="020F0502020204030204" pitchFamily="34" charset="0"/>
+            </a:endParaRPr>
+          </a:p>
+          <a:p>
+            <a:pPr marL="342900" indent="-342900">
+              <a:buFont typeface="Arial" panose="020B0604020202020204" pitchFamily="34" charset="0"/>
+              <a:buChar char="•"/>
+            </a:pPr>
+            <a:r>
+              <a:rPr lang="en-US" sz="2400" dirty="0">
+                <a:latin typeface="Calibri" panose="020F0502020204030204" pitchFamily="34" charset="0"/>
+                <a:cs typeface="Calibri" panose="020F0502020204030204" pitchFamily="34" charset="0"/>
+              </a:rPr>
+              <a:t>1 </a:t>
+            </a:r>
+            <a:r>
+              <a:rPr lang="en-US" sz="2400" dirty="0" smtClean="0">
+                <a:latin typeface="Calibri" panose="020F0502020204030204" pitchFamily="34" charset="0"/>
+                <a:cs typeface="Calibri" panose="020F0502020204030204" pitchFamily="34" charset="0"/>
+              </a:rPr>
+              <a:t>	is </a:t>
+            </a:r>
+            <a:r>
+              <a:rPr lang="en-US" sz="2400" dirty="0">
+                <a:latin typeface="Calibri" panose="020F0502020204030204" pitchFamily="34" charset="0"/>
+                <a:cs typeface="Calibri" panose="020F0502020204030204" pitchFamily="34" charset="0"/>
+              </a:rPr>
+              <a:t>a perfect positive correlation</a:t>
+            </a:r>
+          </a:p>
+          <a:p>
+            <a:pPr marL="342900" indent="-342900">
+              <a:buFont typeface="Arial" panose="020B0604020202020204" pitchFamily="34" charset="0"/>
+              <a:buChar char="•"/>
+            </a:pPr>
+            <a:r>
+              <a:rPr lang="en-US" sz="2400" dirty="0">
+                <a:latin typeface="Calibri" panose="020F0502020204030204" pitchFamily="34" charset="0"/>
+                <a:cs typeface="Calibri" panose="020F0502020204030204" pitchFamily="34" charset="0"/>
+              </a:rPr>
+              <a:t>0 </a:t>
+            </a:r>
+            <a:r>
+              <a:rPr lang="en-US" sz="2400" dirty="0" smtClean="0">
+                <a:latin typeface="Calibri" panose="020F0502020204030204" pitchFamily="34" charset="0"/>
+                <a:cs typeface="Calibri" panose="020F0502020204030204" pitchFamily="34" charset="0"/>
+              </a:rPr>
+              <a:t>	is </a:t>
+            </a:r>
+            <a:r>
+              <a:rPr lang="en-US" sz="2400" dirty="0">
+                <a:latin typeface="Calibri" panose="020F0502020204030204" pitchFamily="34" charset="0"/>
+                <a:cs typeface="Calibri" panose="020F0502020204030204" pitchFamily="34" charset="0"/>
+              </a:rPr>
+              <a:t>no correlation </a:t>
+            </a:r>
+            <a:r>
+              <a:rPr lang="en-US" sz="2400" dirty="0" smtClean="0">
+                <a:latin typeface="Calibri" panose="020F0502020204030204" pitchFamily="34" charset="0"/>
+                <a:cs typeface="Calibri" panose="020F0502020204030204" pitchFamily="34" charset="0"/>
+              </a:rPr>
+              <a:t>, no relationship between values</a:t>
+            </a:r>
+          </a:p>
+          <a:p>
+            <a:pPr marL="342900" indent="-342900">
+              <a:buFont typeface="Arial" panose="020B0604020202020204" pitchFamily="34" charset="0"/>
+              <a:buChar char="•"/>
+            </a:pPr>
+            <a:r>
+              <a:rPr lang="en-US" sz="2400" dirty="0" smtClean="0">
+                <a:latin typeface="Calibri" panose="020F0502020204030204" pitchFamily="34" charset="0"/>
+                <a:cs typeface="Calibri" panose="020F0502020204030204" pitchFamily="34" charset="0"/>
+              </a:rPr>
+              <a:t>-1</a:t>
+            </a:r>
+            <a:r>
+              <a:rPr lang="en-US" sz="2400" dirty="0">
+                <a:latin typeface="Calibri" panose="020F0502020204030204" pitchFamily="34" charset="0"/>
+                <a:cs typeface="Calibri" panose="020F0502020204030204" pitchFamily="34" charset="0"/>
+              </a:rPr>
+              <a:t> </a:t>
+            </a:r>
+            <a:r>
+              <a:rPr lang="en-US" sz="2400" dirty="0" smtClean="0">
+                <a:latin typeface="Calibri" panose="020F0502020204030204" pitchFamily="34" charset="0"/>
+                <a:cs typeface="Calibri" panose="020F0502020204030204" pitchFamily="34" charset="0"/>
+              </a:rPr>
+              <a:t>	is </a:t>
+            </a:r>
+            <a:r>
+              <a:rPr lang="en-US" sz="2400" dirty="0">
+                <a:latin typeface="Calibri" panose="020F0502020204030204" pitchFamily="34" charset="0"/>
+                <a:cs typeface="Calibri" panose="020F0502020204030204" pitchFamily="34" charset="0"/>
+              </a:rPr>
+              <a:t>a perfect negative correlation</a:t>
+            </a:r>
+          </a:p>
+          <a:p>
+            <a:endParaRPr lang="en-US" sz="2400" dirty="0">
+              <a:solidFill>
+                <a:schemeClr val="accent2">
+                  <a:lumMod val="75000"/>
+                </a:schemeClr>
+              </a:solidFill>
+              <a:latin typeface="Calibri" panose="020F0502020204030204" pitchFamily="34" charset="0"/>
+              <a:cs typeface="Calibri" panose="020F0502020204030204" pitchFamily="34" charset="0"/>
+            </a:endParaRPr>
+          </a:p>
+        </p:txBody>
+      </p:sp>
+    </p:spTree>
+    <p:extLst>
+      <p:ext uri="{BB962C8B-B14F-4D97-AF65-F5344CB8AC3E}">
+        <p14:creationId xmlns:p14="http://schemas.microsoft.com/office/powerpoint/2010/main" val="4141970685"/>
+      </p:ext>
+    </p:extLst>
+  </p:cSld>
+  <p:clrMapOvr>
+    <a:masterClrMapping/>
+  </p:clrMapOvr>
+</p:sld>
+</file>
+
 <file path=ppt/slides/slide2.xml><?xml version="1.0" encoding="utf-8"?>
 <p:sld xmlns:a="http://schemas.openxmlformats.org/drawingml/2006/main" xmlns:r="http://schemas.openxmlformats.org/officeDocument/2006/relationships" xmlns:p="http://schemas.openxmlformats.org/presentationml/2006/main">
   <p:cSld>
@@ -10893,300 +10940,6 @@
 </file>
 
 <file path=ppt/slides/slide20.xml><?xml version="1.0" encoding="utf-8"?>
-<p:sld xmlns:a="http://schemas.openxmlformats.org/drawingml/2006/main" xmlns:r="http://schemas.openxmlformats.org/officeDocument/2006/relationships" xmlns:p="http://schemas.openxmlformats.org/presentationml/2006/main">
-  <p:cSld>
-    <p:spTree>
-      <p:nvGrpSpPr>
-        <p:cNvPr id="1" name=""/>
-        <p:cNvGrpSpPr/>
-        <p:nvPr/>
-      </p:nvGrpSpPr>
-      <p:grpSpPr>
-        <a:xfrm>
-          <a:off x="0" y="0"/>
-          <a:ext cx="0" cy="0"/>
-          <a:chOff x="0" y="0"/>
-          <a:chExt cx="0" cy="0"/>
-        </a:xfrm>
-      </p:grpSpPr>
-      <p:sp>
-        <p:nvSpPr>
-          <p:cNvPr id="4" name="Content Placeholder 2"/>
-          <p:cNvSpPr>
-            <a:spLocks noGrp="1"/>
-          </p:cNvSpPr>
-          <p:nvPr>
-            <p:ph idx="1"/>
-          </p:nvPr>
-        </p:nvSpPr>
-        <p:spPr>
-          <a:xfrm>
-            <a:off x="571501" y="441434"/>
-            <a:ext cx="3060341" cy="705008"/>
-          </a:xfrm>
-        </p:spPr>
-        <p:txBody>
-          <a:bodyPr>
-            <a:noAutofit/>
-          </a:bodyPr>
-          <a:lstStyle/>
-          <a:p>
-            <a:pPr marL="0" indent="0">
-              <a:buNone/>
-            </a:pPr>
-            <a:r>
-              <a:rPr lang="en-US" sz="4000" b="1" dirty="0" smtClean="0">
-                <a:solidFill>
-                  <a:srgbClr val="FF0000"/>
-                </a:solidFill>
-                <a:latin typeface="Calibri" panose="020F0502020204030204" pitchFamily="34" charset="0"/>
-                <a:cs typeface="Calibri" panose="020F0502020204030204" pitchFamily="34" charset="0"/>
-              </a:rPr>
-              <a:t>Correlation</a:t>
-            </a:r>
-            <a:endParaRPr lang="en-US" sz="4000" b="1" dirty="0">
-              <a:solidFill>
-                <a:srgbClr val="FF0000"/>
-              </a:solidFill>
-              <a:latin typeface="Calibri" panose="020F0502020204030204" pitchFamily="34" charset="0"/>
-              <a:cs typeface="Calibri" panose="020F0502020204030204" pitchFamily="34" charset="0"/>
-            </a:endParaRPr>
-          </a:p>
-          <a:p>
-            <a:pPr marL="0" indent="0">
-              <a:buNone/>
-            </a:pPr>
-            <a:endParaRPr lang="en-US" sz="4000" dirty="0">
-              <a:solidFill>
-                <a:schemeClr val="tx1"/>
-              </a:solidFill>
-              <a:latin typeface="Calibri" panose="020F0502020204030204" pitchFamily="34" charset="0"/>
-              <a:cs typeface="Calibri" panose="020F0502020204030204" pitchFamily="34" charset="0"/>
-            </a:endParaRPr>
-          </a:p>
-        </p:txBody>
-      </p:sp>
-      <p:sp>
-        <p:nvSpPr>
-          <p:cNvPr id="5" name="Rectangle 4"/>
-          <p:cNvSpPr/>
-          <p:nvPr/>
-        </p:nvSpPr>
-        <p:spPr>
-          <a:xfrm>
-            <a:off x="571501" y="1872154"/>
-            <a:ext cx="11006606" cy="3785652"/>
-          </a:xfrm>
-          <a:prstGeom prst="rect">
-            <a:avLst/>
-          </a:prstGeom>
-        </p:spPr>
-        <p:txBody>
-          <a:bodyPr wrap="square">
-            <a:spAutoFit/>
-          </a:bodyPr>
-          <a:lstStyle/>
-          <a:p>
-            <a:r>
-              <a:rPr lang="en-US" sz="2400" dirty="0">
-                <a:latin typeface="Calibri" panose="020F0502020204030204" pitchFamily="34" charset="0"/>
-                <a:cs typeface="Calibri" panose="020F0502020204030204" pitchFamily="34" charset="0"/>
-              </a:rPr>
-              <a:t>When two sets of data are strongly linked together we say they have a </a:t>
-            </a:r>
-            <a:r>
-              <a:rPr lang="en-US" sz="2400" b="1" dirty="0">
-                <a:solidFill>
-                  <a:srgbClr val="FFC000"/>
-                </a:solidFill>
-                <a:latin typeface="Calibri" panose="020F0502020204030204" pitchFamily="34" charset="0"/>
-                <a:cs typeface="Calibri" panose="020F0502020204030204" pitchFamily="34" charset="0"/>
-              </a:rPr>
-              <a:t>High</a:t>
-            </a:r>
-            <a:r>
-              <a:rPr lang="en-US" sz="2400" dirty="0">
-                <a:latin typeface="Calibri" panose="020F0502020204030204" pitchFamily="34" charset="0"/>
-                <a:cs typeface="Calibri" panose="020F0502020204030204" pitchFamily="34" charset="0"/>
-              </a:rPr>
-              <a:t> Correlation</a:t>
-            </a:r>
-            <a:r>
-              <a:rPr lang="en-US" sz="2400" dirty="0" smtClean="0">
-                <a:latin typeface="Calibri" panose="020F0502020204030204" pitchFamily="34" charset="0"/>
-                <a:cs typeface="Calibri" panose="020F0502020204030204" pitchFamily="34" charset="0"/>
-              </a:rPr>
-              <a:t>.</a:t>
-            </a:r>
-          </a:p>
-          <a:p>
-            <a:endParaRPr lang="en-US" sz="2400" dirty="0" smtClean="0">
-              <a:latin typeface="Calibri" panose="020F0502020204030204" pitchFamily="34" charset="0"/>
-              <a:cs typeface="Calibri" panose="020F0502020204030204" pitchFamily="34" charset="0"/>
-            </a:endParaRPr>
-          </a:p>
-          <a:p>
-            <a:endParaRPr lang="en-US" sz="2400" dirty="0">
-              <a:solidFill>
-                <a:schemeClr val="accent2">
-                  <a:lumMod val="75000"/>
-                </a:schemeClr>
-              </a:solidFill>
-              <a:latin typeface="Calibri" panose="020F0502020204030204" pitchFamily="34" charset="0"/>
-              <a:cs typeface="Calibri" panose="020F0502020204030204" pitchFamily="34" charset="0"/>
-            </a:endParaRPr>
-          </a:p>
-          <a:p>
-            <a:r>
-              <a:rPr lang="en-US" sz="2400" dirty="0">
-                <a:latin typeface="Calibri" panose="020F0502020204030204" pitchFamily="34" charset="0"/>
-                <a:cs typeface="Calibri" panose="020F0502020204030204" pitchFamily="34" charset="0"/>
-              </a:rPr>
-              <a:t>Correlation can have a </a:t>
-            </a:r>
-            <a:r>
-              <a:rPr lang="en-US" sz="2400">
-                <a:latin typeface="Calibri" panose="020F0502020204030204" pitchFamily="34" charset="0"/>
-                <a:cs typeface="Calibri" panose="020F0502020204030204" pitchFamily="34" charset="0"/>
-              </a:rPr>
-              <a:t>value</a:t>
-            </a:r>
-            <a:r>
-              <a:rPr lang="en-US" sz="2400" smtClean="0">
-                <a:latin typeface="Calibri" panose="020F0502020204030204" pitchFamily="34" charset="0"/>
-                <a:cs typeface="Calibri" panose="020F0502020204030204" pitchFamily="34" charset="0"/>
-              </a:rPr>
-              <a:t>:</a:t>
-            </a:r>
-          </a:p>
-          <a:p>
-            <a:endParaRPr lang="en-US" sz="2400" dirty="0">
-              <a:latin typeface="Calibri" panose="020F0502020204030204" pitchFamily="34" charset="0"/>
-              <a:cs typeface="Calibri" panose="020F0502020204030204" pitchFamily="34" charset="0"/>
-            </a:endParaRPr>
-          </a:p>
-          <a:p>
-            <a:pPr marL="342900" indent="-342900">
-              <a:buFont typeface="Arial" panose="020B0604020202020204" pitchFamily="34" charset="0"/>
-              <a:buChar char="•"/>
-            </a:pPr>
-            <a:r>
-              <a:rPr lang="en-US" sz="2400" dirty="0">
-                <a:latin typeface="Calibri" panose="020F0502020204030204" pitchFamily="34" charset="0"/>
-                <a:cs typeface="Calibri" panose="020F0502020204030204" pitchFamily="34" charset="0"/>
-              </a:rPr>
-              <a:t>1 </a:t>
-            </a:r>
-            <a:r>
-              <a:rPr lang="en-US" sz="2400" dirty="0" smtClean="0">
-                <a:latin typeface="Calibri" panose="020F0502020204030204" pitchFamily="34" charset="0"/>
-                <a:cs typeface="Calibri" panose="020F0502020204030204" pitchFamily="34" charset="0"/>
-              </a:rPr>
-              <a:t>	is </a:t>
-            </a:r>
-            <a:r>
-              <a:rPr lang="en-US" sz="2400" dirty="0">
-                <a:latin typeface="Calibri" panose="020F0502020204030204" pitchFamily="34" charset="0"/>
-                <a:cs typeface="Calibri" panose="020F0502020204030204" pitchFamily="34" charset="0"/>
-              </a:rPr>
-              <a:t>a perfect positive correlation</a:t>
-            </a:r>
-          </a:p>
-          <a:p>
-            <a:pPr marL="342900" indent="-342900">
-              <a:buFont typeface="Arial" panose="020B0604020202020204" pitchFamily="34" charset="0"/>
-              <a:buChar char="•"/>
-            </a:pPr>
-            <a:r>
-              <a:rPr lang="en-US" sz="2400" dirty="0">
-                <a:latin typeface="Calibri" panose="020F0502020204030204" pitchFamily="34" charset="0"/>
-                <a:cs typeface="Calibri" panose="020F0502020204030204" pitchFamily="34" charset="0"/>
-              </a:rPr>
-              <a:t>0 </a:t>
-            </a:r>
-            <a:r>
-              <a:rPr lang="en-US" sz="2400" dirty="0" smtClean="0">
-                <a:latin typeface="Calibri" panose="020F0502020204030204" pitchFamily="34" charset="0"/>
-                <a:cs typeface="Calibri" panose="020F0502020204030204" pitchFamily="34" charset="0"/>
-              </a:rPr>
-              <a:t>	is </a:t>
-            </a:r>
-            <a:r>
-              <a:rPr lang="en-US" sz="2400" dirty="0">
-                <a:latin typeface="Calibri" panose="020F0502020204030204" pitchFamily="34" charset="0"/>
-                <a:cs typeface="Calibri" panose="020F0502020204030204" pitchFamily="34" charset="0"/>
-              </a:rPr>
-              <a:t>no correlation </a:t>
-            </a:r>
-            <a:r>
-              <a:rPr lang="en-US" sz="2400" dirty="0" smtClean="0">
-                <a:latin typeface="Calibri" panose="020F0502020204030204" pitchFamily="34" charset="0"/>
-                <a:cs typeface="Calibri" panose="020F0502020204030204" pitchFamily="34" charset="0"/>
-              </a:rPr>
-              <a:t>, no relationship between values</a:t>
-            </a:r>
-          </a:p>
-          <a:p>
-            <a:pPr marL="342900" indent="-342900">
-              <a:buFont typeface="Arial" panose="020B0604020202020204" pitchFamily="34" charset="0"/>
-              <a:buChar char="•"/>
-            </a:pPr>
-            <a:r>
-              <a:rPr lang="en-US" sz="2400" dirty="0" smtClean="0">
-                <a:latin typeface="Calibri" panose="020F0502020204030204" pitchFamily="34" charset="0"/>
-                <a:cs typeface="Calibri" panose="020F0502020204030204" pitchFamily="34" charset="0"/>
-              </a:rPr>
-              <a:t>-1</a:t>
-            </a:r>
-            <a:r>
-              <a:rPr lang="en-US" sz="2400" dirty="0">
-                <a:latin typeface="Calibri" panose="020F0502020204030204" pitchFamily="34" charset="0"/>
-                <a:cs typeface="Calibri" panose="020F0502020204030204" pitchFamily="34" charset="0"/>
-              </a:rPr>
-              <a:t> </a:t>
-            </a:r>
-            <a:r>
-              <a:rPr lang="en-US" sz="2400" dirty="0" smtClean="0">
-                <a:latin typeface="Calibri" panose="020F0502020204030204" pitchFamily="34" charset="0"/>
-                <a:cs typeface="Calibri" panose="020F0502020204030204" pitchFamily="34" charset="0"/>
-              </a:rPr>
-              <a:t>	is </a:t>
-            </a:r>
-            <a:r>
-              <a:rPr lang="en-US" sz="2400" dirty="0">
-                <a:latin typeface="Calibri" panose="020F0502020204030204" pitchFamily="34" charset="0"/>
-                <a:cs typeface="Calibri" panose="020F0502020204030204" pitchFamily="34" charset="0"/>
-              </a:rPr>
-              <a:t>a perfect negative correlation</a:t>
-            </a:r>
-          </a:p>
-          <a:p>
-            <a:endParaRPr lang="en-US" sz="2400" dirty="0">
-              <a:solidFill>
-                <a:schemeClr val="accent2">
-                  <a:lumMod val="75000"/>
-                </a:schemeClr>
-              </a:solidFill>
-              <a:latin typeface="Calibri" panose="020F0502020204030204" pitchFamily="34" charset="0"/>
-              <a:cs typeface="Calibri" panose="020F0502020204030204" pitchFamily="34" charset="0"/>
-            </a:endParaRPr>
-          </a:p>
-        </p:txBody>
-      </p:sp>
-    </p:spTree>
-    <p:extLst>
-      <p:ext uri="{BB962C8B-B14F-4D97-AF65-F5344CB8AC3E}">
-        <p14:creationId xmlns:p14="http://schemas.microsoft.com/office/powerpoint/2010/main" val="4141970685"/>
-      </p:ext>
-    </p:extLst>
-  </p:cSld>
-  <p:clrMapOvr>
-    <a:masterClrMapping/>
-  </p:clrMapOvr>
-</p:sld>
-</file>
-
-<file path=ppt/slides/slide21.xml><?xml version="1.0" encoding="utf-8"?>
 <p:sld xmlns:a="http://schemas.openxmlformats.org/drawingml/2006/main" xmlns:r="http://schemas.openxmlformats.org/officeDocument/2006/relationships" xmlns:p="http://schemas.openxmlformats.org/presentationml/2006/main">
   <p:cSld>
     <p:spTree>
@@ -11510,10 +11263,6 @@
               </a:rPr>
               <a:t>0.4978702535543908</a:t>
             </a:r>
-            <a:endParaRPr lang="en-US" sz="2400" dirty="0">
-              <a:latin typeface="Calibri" panose="020F0502020204030204" pitchFamily="34" charset="0"/>
-              <a:cs typeface="Calibri" panose="020F0502020204030204" pitchFamily="34" charset="0"/>
-            </a:endParaRPr>
           </a:p>
         </p:txBody>
       </p:sp>
@@ -11708,7 +11457,7 @@
 </p:sld>
 </file>
 
-<file path=ppt/slides/slide22.xml><?xml version="1.0" encoding="utf-8"?>
+<file path=ppt/slides/slide21.xml><?xml version="1.0" encoding="utf-8"?>
 <p:sld xmlns:a="http://schemas.openxmlformats.org/drawingml/2006/main" xmlns:r="http://schemas.openxmlformats.org/officeDocument/2006/relationships" xmlns:p="http://schemas.openxmlformats.org/presentationml/2006/main">
   <p:cSld>
     <p:spTree>
@@ -11986,7 +11735,7 @@
 </p:sld>
 </file>
 
-<file path=ppt/slides/slide23.xml><?xml version="1.0" encoding="utf-8"?>
+<file path=ppt/slides/slide22.xml><?xml version="1.0" encoding="utf-8"?>
 <p:sld xmlns:a="http://schemas.openxmlformats.org/drawingml/2006/main" xmlns:r="http://schemas.openxmlformats.org/officeDocument/2006/relationships" xmlns:p="http://schemas.openxmlformats.org/presentationml/2006/main">
   <p:cSld>
     <p:spTree>
@@ -12177,7 +11926,7 @@
 </p:sld>
 </file>
 
-<file path=ppt/slides/slide24.xml><?xml version="1.0" encoding="utf-8"?>
+<file path=ppt/slides/slide23.xml><?xml version="1.0" encoding="utf-8"?>
 <p:sld xmlns:a="http://schemas.openxmlformats.org/drawingml/2006/main" xmlns:r="http://schemas.openxmlformats.org/officeDocument/2006/relationships" xmlns:p="http://schemas.openxmlformats.org/presentationml/2006/main">
   <p:cSld>
     <p:spTree>
@@ -12796,7 +12545,7 @@
 </p:sld>
 </file>
 
-<file path=ppt/slides/slide25.xml><?xml version="1.0" encoding="utf-8"?>
+<file path=ppt/slides/slide24.xml><?xml version="1.0" encoding="utf-8"?>
 <p:sld xmlns:a="http://schemas.openxmlformats.org/drawingml/2006/main" xmlns:r="http://schemas.openxmlformats.org/officeDocument/2006/relationships" xmlns:p="http://schemas.openxmlformats.org/presentationml/2006/main">
   <p:cSld>
     <p:spTree>
@@ -13263,7 +13012,7 @@
 </p:sld>
 </file>
 
-<file path=ppt/slides/slide26.xml><?xml version="1.0" encoding="utf-8"?>
+<file path=ppt/slides/slide25.xml><?xml version="1.0" encoding="utf-8"?>
 <p:sld xmlns:a="http://schemas.openxmlformats.org/drawingml/2006/main" xmlns:r="http://schemas.openxmlformats.org/officeDocument/2006/relationships" xmlns:p="http://schemas.openxmlformats.org/presentationml/2006/main">
   <p:cSld>
     <p:spTree>
@@ -13766,7 +13515,7 @@
 </p:sld>
 </file>
 
-<file path=ppt/slides/slide27.xml><?xml version="1.0" encoding="utf-8"?>
+<file path=ppt/slides/slide26.xml><?xml version="1.0" encoding="utf-8"?>
 <p:sld xmlns:a="http://schemas.openxmlformats.org/drawingml/2006/main" xmlns:r="http://schemas.openxmlformats.org/officeDocument/2006/relationships" xmlns:p="http://schemas.openxmlformats.org/presentationml/2006/main">
   <p:cSld>
     <p:spTree>
@@ -13963,7 +13712,7 @@
 </p:sld>
 </file>
 
-<file path=ppt/slides/slide28.xml><?xml version="1.0" encoding="utf-8"?>
+<file path=ppt/slides/slide27.xml><?xml version="1.0" encoding="utf-8"?>
 <p:sld xmlns:a="http://schemas.openxmlformats.org/drawingml/2006/main" xmlns:r="http://schemas.openxmlformats.org/officeDocument/2006/relationships" xmlns:p="http://schemas.openxmlformats.org/presentationml/2006/main">
   <p:cSld>
     <p:spTree>
@@ -14363,7 +14112,7 @@
 </p:sld>
 </file>
 
-<file path=ppt/slides/slide29.xml><?xml version="1.0" encoding="utf-8"?>
+<file path=ppt/slides/slide28.xml><?xml version="1.0" encoding="utf-8"?>
 <p:sld xmlns:a="http://schemas.openxmlformats.org/drawingml/2006/main" xmlns:r="http://schemas.openxmlformats.org/officeDocument/2006/relationships" xmlns:p="http://schemas.openxmlformats.org/presentationml/2006/main">
   <p:cSld>
     <p:spTree>
@@ -14798,6 +14547,301 @@
     <p:extLst>
       <p:ext uri="{BB962C8B-B14F-4D97-AF65-F5344CB8AC3E}">
         <p14:creationId xmlns:p14="http://schemas.microsoft.com/office/powerpoint/2010/main" val="3943006172"/>
+      </p:ext>
+    </p:extLst>
+  </p:cSld>
+  <p:clrMapOvr>
+    <a:masterClrMapping/>
+  </p:clrMapOvr>
+  <p:timing>
+    <p:tnLst>
+      <p:par>
+        <p:cTn id="1" dur="indefinite" restart="never" nodeType="tmRoot"/>
+      </p:par>
+    </p:tnLst>
+  </p:timing>
+</p:sld>
+</file>
+
+<file path=ppt/slides/slide29.xml><?xml version="1.0" encoding="utf-8"?>
+<p:sld xmlns:a="http://schemas.openxmlformats.org/drawingml/2006/main" xmlns:r="http://schemas.openxmlformats.org/officeDocument/2006/relationships" xmlns:p="http://schemas.openxmlformats.org/presentationml/2006/main">
+  <p:cSld>
+    <p:spTree>
+      <p:nvGrpSpPr>
+        <p:cNvPr id="1" name=""/>
+        <p:cNvGrpSpPr/>
+        <p:nvPr/>
+      </p:nvGrpSpPr>
+      <p:grpSpPr>
+        <a:xfrm>
+          <a:off x="0" y="0"/>
+          <a:ext cx="0" cy="0"/>
+          <a:chOff x="0" y="0"/>
+          <a:chExt cx="0" cy="0"/>
+        </a:xfrm>
+      </p:grpSpPr>
+      <p:sp>
+        <p:nvSpPr>
+          <p:cNvPr id="2" name="Content Placeholder 2"/>
+          <p:cNvSpPr>
+            <a:spLocks noGrp="1"/>
+          </p:cNvSpPr>
+          <p:nvPr>
+            <p:ph idx="1"/>
+          </p:nvPr>
+        </p:nvSpPr>
+        <p:spPr>
+          <a:xfrm>
+            <a:off x="571501" y="441435"/>
+            <a:ext cx="5050071" cy="584284"/>
+          </a:xfrm>
+        </p:spPr>
+        <p:txBody>
+          <a:bodyPr>
+            <a:normAutofit/>
+          </a:bodyPr>
+          <a:lstStyle/>
+          <a:p>
+            <a:pPr marL="0" indent="0">
+              <a:buNone/>
+            </a:pPr>
+            <a:r>
+              <a:rPr lang="en-US" sz="2400" b="1" dirty="0" smtClean="0">
+                <a:solidFill>
+                  <a:srgbClr val="FF0000"/>
+                </a:solidFill>
+                <a:latin typeface="Calibri" panose="020F0502020204030204" pitchFamily="34" charset="0"/>
+                <a:cs typeface="Calibri" panose="020F0502020204030204" pitchFamily="34" charset="0"/>
+              </a:rPr>
+              <a:t>VISUALIZATION </a:t>
+            </a:r>
+            <a:endParaRPr lang="en-US" sz="2400" b="1" dirty="0">
+              <a:solidFill>
+                <a:srgbClr val="FF0000"/>
+              </a:solidFill>
+              <a:latin typeface="Calibri" panose="020F0502020204030204" pitchFamily="34" charset="0"/>
+              <a:cs typeface="Calibri" panose="020F0502020204030204" pitchFamily="34" charset="0"/>
+            </a:endParaRPr>
+          </a:p>
+          <a:p>
+            <a:pPr marL="0" indent="0">
+              <a:buNone/>
+            </a:pPr>
+            <a:endParaRPr lang="en-US" dirty="0">
+              <a:solidFill>
+                <a:schemeClr val="tx1"/>
+              </a:solidFill>
+              <a:latin typeface="Calibri" panose="020F0502020204030204" pitchFamily="34" charset="0"/>
+              <a:cs typeface="Calibri" panose="020F0502020204030204" pitchFamily="34" charset="0"/>
+            </a:endParaRPr>
+          </a:p>
+        </p:txBody>
+      </p:sp>
+      <p:sp>
+        <p:nvSpPr>
+          <p:cNvPr id="3" name="Rectangle 2"/>
+          <p:cNvSpPr/>
+          <p:nvPr/>
+        </p:nvSpPr>
+        <p:spPr>
+          <a:xfrm>
+            <a:off x="571501" y="1182990"/>
+            <a:ext cx="8433683" cy="3508653"/>
+          </a:xfrm>
+          <a:prstGeom prst="rect">
+            <a:avLst/>
+          </a:prstGeom>
+        </p:spPr>
+        <p:txBody>
+          <a:bodyPr wrap="square">
+            <a:spAutoFit/>
+          </a:bodyPr>
+          <a:lstStyle/>
+          <a:p>
+            <a:r>
+              <a:rPr lang="en-US" dirty="0">
+                <a:solidFill>
+                  <a:schemeClr val="tx1">
+                    <a:lumMod val="75000"/>
+                    <a:lumOff val="25000"/>
+                  </a:schemeClr>
+                </a:solidFill>
+                <a:cs typeface="Arial" panose="020B0604020202020204" pitchFamily="34" charset="0"/>
+              </a:rPr>
+              <a:t>Methods include</a:t>
+            </a:r>
+          </a:p>
+          <a:p>
+            <a:pPr marL="457200" indent="-457200">
+              <a:buFont typeface="Arial" panose="020B0604020202020204" pitchFamily="34" charset="0"/>
+              <a:buChar char="•"/>
+            </a:pPr>
+            <a:r>
+              <a:rPr lang="en-US" dirty="0">
+                <a:solidFill>
+                  <a:schemeClr val="tx1">
+                    <a:lumMod val="75000"/>
+                    <a:lumOff val="25000"/>
+                  </a:schemeClr>
+                </a:solidFill>
+                <a:cs typeface="Arial" panose="020B0604020202020204" pitchFamily="34" charset="0"/>
+              </a:rPr>
+              <a:t>Two-Dimensional</a:t>
+            </a:r>
+          </a:p>
+          <a:p>
+            <a:pPr marL="457200" indent="-457200">
+              <a:buFont typeface="Arial" panose="020B0604020202020204" pitchFamily="34" charset="0"/>
+              <a:buChar char="•"/>
+            </a:pPr>
+            <a:r>
+              <a:rPr lang="en-US" dirty="0">
+                <a:solidFill>
+                  <a:schemeClr val="tx1">
+                    <a:lumMod val="75000"/>
+                    <a:lumOff val="25000"/>
+                  </a:schemeClr>
+                </a:solidFill>
+                <a:cs typeface="Arial" panose="020B0604020202020204" pitchFamily="34" charset="0"/>
+              </a:rPr>
+              <a:t>Multi-Dimensional Methods</a:t>
+            </a:r>
+          </a:p>
+          <a:p>
+            <a:pPr marL="457200" indent="-457200">
+              <a:buFont typeface="Arial" panose="020B0604020202020204" pitchFamily="34" charset="0"/>
+              <a:buChar char="•"/>
+            </a:pPr>
+            <a:r>
+              <a:rPr lang="en-US" dirty="0">
+                <a:solidFill>
+                  <a:schemeClr val="tx1">
+                    <a:lumMod val="75000"/>
+                    <a:lumOff val="25000"/>
+                  </a:schemeClr>
+                </a:solidFill>
+                <a:cs typeface="Arial" panose="020B0604020202020204" pitchFamily="34" charset="0"/>
+              </a:rPr>
+              <a:t>Geospatial</a:t>
+            </a:r>
+          </a:p>
+          <a:p>
+            <a:pPr marL="457200" indent="-457200">
+              <a:buFont typeface="Arial" panose="020B0604020202020204" pitchFamily="34" charset="0"/>
+              <a:buChar char="•"/>
+            </a:pPr>
+            <a:r>
+              <a:rPr lang="en-US" dirty="0">
+                <a:solidFill>
+                  <a:schemeClr val="tx1">
+                    <a:lumMod val="75000"/>
+                    <a:lumOff val="25000"/>
+                  </a:schemeClr>
+                </a:solidFill>
+                <a:cs typeface="Arial" panose="020B0604020202020204" pitchFamily="34" charset="0"/>
+              </a:rPr>
+              <a:t>General </a:t>
+            </a:r>
+          </a:p>
+          <a:p>
+            <a:pPr marL="457200" indent="-457200">
+              <a:buFont typeface="Arial" panose="020B0604020202020204" pitchFamily="34" charset="0"/>
+              <a:buChar char="•"/>
+            </a:pPr>
+            <a:endParaRPr lang="en-US" dirty="0">
+              <a:solidFill>
+                <a:schemeClr val="tx1">
+                  <a:lumMod val="75000"/>
+                  <a:lumOff val="25000"/>
+                </a:schemeClr>
+              </a:solidFill>
+              <a:cs typeface="Arial" panose="020B0604020202020204" pitchFamily="34" charset="0"/>
+            </a:endParaRPr>
+          </a:p>
+          <a:p>
+            <a:r>
+              <a:rPr lang="en-US" dirty="0">
+                <a:solidFill>
+                  <a:schemeClr val="tx1">
+                    <a:lumMod val="75000"/>
+                    <a:lumOff val="25000"/>
+                  </a:schemeClr>
+                </a:solidFill>
+                <a:cs typeface="Arial" panose="020B0604020202020204" pitchFamily="34" charset="0"/>
+              </a:rPr>
+              <a:t>A basic visualization typically requires the following steps: </a:t>
+            </a:r>
+          </a:p>
+          <a:p>
+            <a:endParaRPr lang="en-US" dirty="0">
+              <a:solidFill>
+                <a:schemeClr val="tx1">
+                  <a:lumMod val="75000"/>
+                  <a:lumOff val="25000"/>
+                </a:schemeClr>
+              </a:solidFill>
+              <a:cs typeface="Arial" panose="020B0604020202020204" pitchFamily="34" charset="0"/>
+            </a:endParaRPr>
+          </a:p>
+          <a:p>
+            <a:r>
+              <a:rPr lang="en-US" dirty="0">
+                <a:solidFill>
+                  <a:schemeClr val="tx1">
+                    <a:lumMod val="75000"/>
+                    <a:lumOff val="25000"/>
+                  </a:schemeClr>
+                </a:solidFill>
+                <a:cs typeface="Arial" panose="020B0604020202020204" pitchFamily="34" charset="0"/>
+              </a:rPr>
+              <a:t>1. Creation of a suitable dataset. </a:t>
+            </a:r>
+          </a:p>
+          <a:p>
+            <a:r>
+              <a:rPr lang="en-US" dirty="0">
+                <a:solidFill>
+                  <a:schemeClr val="tx1">
+                    <a:lumMod val="75000"/>
+                    <a:lumOff val="25000"/>
+                  </a:schemeClr>
+                </a:solidFill>
+                <a:cs typeface="Arial" panose="020B0604020202020204" pitchFamily="34" charset="0"/>
+              </a:rPr>
+              <a:t>2. Output the dataset with a suitable name, so that visualization can locate the data.</a:t>
+            </a:r>
+          </a:p>
+          <a:p>
+            <a:r>
+              <a:rPr lang="en-US" dirty="0">
+                <a:solidFill>
+                  <a:schemeClr val="tx1">
+                    <a:lumMod val="75000"/>
+                    <a:lumOff val="25000"/>
+                  </a:schemeClr>
+                </a:solidFill>
+                <a:cs typeface="Arial" panose="020B0604020202020204" pitchFamily="34" charset="0"/>
+              </a:rPr>
+              <a:t> 3. Create (and output) the visualization, referencing the named output from step </a:t>
+            </a:r>
+          </a:p>
+          <a:p>
+            <a:endParaRPr lang="en-US" sz="2400" dirty="0">
+              <a:solidFill>
+                <a:schemeClr val="accent2">
+                  <a:lumMod val="75000"/>
+                </a:schemeClr>
+              </a:solidFill>
+              <a:latin typeface="Calibri" panose="020F0502020204030204" pitchFamily="34" charset="0"/>
+              <a:cs typeface="Calibri" panose="020F0502020204030204" pitchFamily="34" charset="0"/>
+            </a:endParaRPr>
+          </a:p>
+        </p:txBody>
+      </p:sp>
+    </p:spTree>
+    <p:extLst>
+      <p:ext uri="{BB962C8B-B14F-4D97-AF65-F5344CB8AC3E}">
+        <p14:creationId xmlns:p14="http://schemas.microsoft.com/office/powerpoint/2010/main" val="2028116190"/>
       </p:ext>
     </p:extLst>
   </p:cSld>
@@ -20057,301 +20101,6 @@
           <a:chExt cx="0" cy="0"/>
         </a:xfrm>
       </p:grpSpPr>
-      <p:sp>
-        <p:nvSpPr>
-          <p:cNvPr id="2" name="Content Placeholder 2"/>
-          <p:cNvSpPr>
-            <a:spLocks noGrp="1"/>
-          </p:cNvSpPr>
-          <p:nvPr>
-            <p:ph idx="1"/>
-          </p:nvPr>
-        </p:nvSpPr>
-        <p:spPr>
-          <a:xfrm>
-            <a:off x="571501" y="441435"/>
-            <a:ext cx="5050071" cy="584284"/>
-          </a:xfrm>
-        </p:spPr>
-        <p:txBody>
-          <a:bodyPr>
-            <a:normAutofit/>
-          </a:bodyPr>
-          <a:lstStyle/>
-          <a:p>
-            <a:pPr marL="0" indent="0">
-              <a:buNone/>
-            </a:pPr>
-            <a:r>
-              <a:rPr lang="en-US" sz="2400" b="1" dirty="0" smtClean="0">
-                <a:solidFill>
-                  <a:srgbClr val="FF0000"/>
-                </a:solidFill>
-                <a:latin typeface="Calibri" panose="020F0502020204030204" pitchFamily="34" charset="0"/>
-                <a:cs typeface="Calibri" panose="020F0502020204030204" pitchFamily="34" charset="0"/>
-              </a:rPr>
-              <a:t>VISUALIZATION </a:t>
-            </a:r>
-            <a:endParaRPr lang="en-US" sz="2400" b="1" dirty="0">
-              <a:solidFill>
-                <a:srgbClr val="FF0000"/>
-              </a:solidFill>
-              <a:latin typeface="Calibri" panose="020F0502020204030204" pitchFamily="34" charset="0"/>
-              <a:cs typeface="Calibri" panose="020F0502020204030204" pitchFamily="34" charset="0"/>
-            </a:endParaRPr>
-          </a:p>
-          <a:p>
-            <a:pPr marL="0" indent="0">
-              <a:buNone/>
-            </a:pPr>
-            <a:endParaRPr lang="en-US" dirty="0">
-              <a:solidFill>
-                <a:schemeClr val="tx1"/>
-              </a:solidFill>
-              <a:latin typeface="Calibri" panose="020F0502020204030204" pitchFamily="34" charset="0"/>
-              <a:cs typeface="Calibri" panose="020F0502020204030204" pitchFamily="34" charset="0"/>
-            </a:endParaRPr>
-          </a:p>
-        </p:txBody>
-      </p:sp>
-      <p:sp>
-        <p:nvSpPr>
-          <p:cNvPr id="3" name="Rectangle 2"/>
-          <p:cNvSpPr/>
-          <p:nvPr/>
-        </p:nvSpPr>
-        <p:spPr>
-          <a:xfrm>
-            <a:off x="571501" y="1182990"/>
-            <a:ext cx="8433683" cy="3508653"/>
-          </a:xfrm>
-          <a:prstGeom prst="rect">
-            <a:avLst/>
-          </a:prstGeom>
-        </p:spPr>
-        <p:txBody>
-          <a:bodyPr wrap="square">
-            <a:spAutoFit/>
-          </a:bodyPr>
-          <a:lstStyle/>
-          <a:p>
-            <a:r>
-              <a:rPr lang="en-US" dirty="0">
-                <a:solidFill>
-                  <a:schemeClr val="tx1">
-                    <a:lumMod val="75000"/>
-                    <a:lumOff val="25000"/>
-                  </a:schemeClr>
-                </a:solidFill>
-                <a:cs typeface="Arial" panose="020B0604020202020204" pitchFamily="34" charset="0"/>
-              </a:rPr>
-              <a:t>Methods include</a:t>
-            </a:r>
-          </a:p>
-          <a:p>
-            <a:pPr marL="457200" indent="-457200">
-              <a:buFont typeface="Arial" panose="020B0604020202020204" pitchFamily="34" charset="0"/>
-              <a:buChar char="•"/>
-            </a:pPr>
-            <a:r>
-              <a:rPr lang="en-US" dirty="0">
-                <a:solidFill>
-                  <a:schemeClr val="tx1">
-                    <a:lumMod val="75000"/>
-                    <a:lumOff val="25000"/>
-                  </a:schemeClr>
-                </a:solidFill>
-                <a:cs typeface="Arial" panose="020B0604020202020204" pitchFamily="34" charset="0"/>
-              </a:rPr>
-              <a:t>Two-Dimensional</a:t>
-            </a:r>
-          </a:p>
-          <a:p>
-            <a:pPr marL="457200" indent="-457200">
-              <a:buFont typeface="Arial" panose="020B0604020202020204" pitchFamily="34" charset="0"/>
-              <a:buChar char="•"/>
-            </a:pPr>
-            <a:r>
-              <a:rPr lang="en-US" dirty="0">
-                <a:solidFill>
-                  <a:schemeClr val="tx1">
-                    <a:lumMod val="75000"/>
-                    <a:lumOff val="25000"/>
-                  </a:schemeClr>
-                </a:solidFill>
-                <a:cs typeface="Arial" panose="020B0604020202020204" pitchFamily="34" charset="0"/>
-              </a:rPr>
-              <a:t>Multi-Dimensional Methods</a:t>
-            </a:r>
-          </a:p>
-          <a:p>
-            <a:pPr marL="457200" indent="-457200">
-              <a:buFont typeface="Arial" panose="020B0604020202020204" pitchFamily="34" charset="0"/>
-              <a:buChar char="•"/>
-            </a:pPr>
-            <a:r>
-              <a:rPr lang="en-US" dirty="0">
-                <a:solidFill>
-                  <a:schemeClr val="tx1">
-                    <a:lumMod val="75000"/>
-                    <a:lumOff val="25000"/>
-                  </a:schemeClr>
-                </a:solidFill>
-                <a:cs typeface="Arial" panose="020B0604020202020204" pitchFamily="34" charset="0"/>
-              </a:rPr>
-              <a:t>Geospatial</a:t>
-            </a:r>
-          </a:p>
-          <a:p>
-            <a:pPr marL="457200" indent="-457200">
-              <a:buFont typeface="Arial" panose="020B0604020202020204" pitchFamily="34" charset="0"/>
-              <a:buChar char="•"/>
-            </a:pPr>
-            <a:r>
-              <a:rPr lang="en-US" dirty="0">
-                <a:solidFill>
-                  <a:schemeClr val="tx1">
-                    <a:lumMod val="75000"/>
-                    <a:lumOff val="25000"/>
-                  </a:schemeClr>
-                </a:solidFill>
-                <a:cs typeface="Arial" panose="020B0604020202020204" pitchFamily="34" charset="0"/>
-              </a:rPr>
-              <a:t>General </a:t>
-            </a:r>
-          </a:p>
-          <a:p>
-            <a:pPr marL="457200" indent="-457200">
-              <a:buFont typeface="Arial" panose="020B0604020202020204" pitchFamily="34" charset="0"/>
-              <a:buChar char="•"/>
-            </a:pPr>
-            <a:endParaRPr lang="en-US" dirty="0">
-              <a:solidFill>
-                <a:schemeClr val="tx1">
-                  <a:lumMod val="75000"/>
-                  <a:lumOff val="25000"/>
-                </a:schemeClr>
-              </a:solidFill>
-              <a:cs typeface="Arial" panose="020B0604020202020204" pitchFamily="34" charset="0"/>
-            </a:endParaRPr>
-          </a:p>
-          <a:p>
-            <a:r>
-              <a:rPr lang="en-US" dirty="0">
-                <a:solidFill>
-                  <a:schemeClr val="tx1">
-                    <a:lumMod val="75000"/>
-                    <a:lumOff val="25000"/>
-                  </a:schemeClr>
-                </a:solidFill>
-                <a:cs typeface="Arial" panose="020B0604020202020204" pitchFamily="34" charset="0"/>
-              </a:rPr>
-              <a:t>A basic visualization typically requires the following steps: </a:t>
-            </a:r>
-          </a:p>
-          <a:p>
-            <a:endParaRPr lang="en-US" dirty="0">
-              <a:solidFill>
-                <a:schemeClr val="tx1">
-                  <a:lumMod val="75000"/>
-                  <a:lumOff val="25000"/>
-                </a:schemeClr>
-              </a:solidFill>
-              <a:cs typeface="Arial" panose="020B0604020202020204" pitchFamily="34" charset="0"/>
-            </a:endParaRPr>
-          </a:p>
-          <a:p>
-            <a:r>
-              <a:rPr lang="en-US" dirty="0">
-                <a:solidFill>
-                  <a:schemeClr val="tx1">
-                    <a:lumMod val="75000"/>
-                    <a:lumOff val="25000"/>
-                  </a:schemeClr>
-                </a:solidFill>
-                <a:cs typeface="Arial" panose="020B0604020202020204" pitchFamily="34" charset="0"/>
-              </a:rPr>
-              <a:t>1. Creation of a suitable dataset. </a:t>
-            </a:r>
-          </a:p>
-          <a:p>
-            <a:r>
-              <a:rPr lang="en-US" dirty="0">
-                <a:solidFill>
-                  <a:schemeClr val="tx1">
-                    <a:lumMod val="75000"/>
-                    <a:lumOff val="25000"/>
-                  </a:schemeClr>
-                </a:solidFill>
-                <a:cs typeface="Arial" panose="020B0604020202020204" pitchFamily="34" charset="0"/>
-              </a:rPr>
-              <a:t>2. Output the dataset with a suitable name, so that visualization can locate the data.</a:t>
-            </a:r>
-          </a:p>
-          <a:p>
-            <a:r>
-              <a:rPr lang="en-US" dirty="0">
-                <a:solidFill>
-                  <a:schemeClr val="tx1">
-                    <a:lumMod val="75000"/>
-                    <a:lumOff val="25000"/>
-                  </a:schemeClr>
-                </a:solidFill>
-                <a:cs typeface="Arial" panose="020B0604020202020204" pitchFamily="34" charset="0"/>
-              </a:rPr>
-              <a:t> 3. Create (and output) the visualization, referencing the named output from step </a:t>
-            </a:r>
-          </a:p>
-          <a:p>
-            <a:endParaRPr lang="en-US" sz="2400" dirty="0">
-              <a:solidFill>
-                <a:schemeClr val="accent2">
-                  <a:lumMod val="75000"/>
-                </a:schemeClr>
-              </a:solidFill>
-              <a:latin typeface="Calibri" panose="020F0502020204030204" pitchFamily="34" charset="0"/>
-              <a:cs typeface="Calibri" panose="020F0502020204030204" pitchFamily="34" charset="0"/>
-            </a:endParaRPr>
-          </a:p>
-        </p:txBody>
-      </p:sp>
-    </p:spTree>
-    <p:extLst>
-      <p:ext uri="{BB962C8B-B14F-4D97-AF65-F5344CB8AC3E}">
-        <p14:creationId xmlns:p14="http://schemas.microsoft.com/office/powerpoint/2010/main" val="2028116190"/>
-      </p:ext>
-    </p:extLst>
-  </p:cSld>
-  <p:clrMapOvr>
-    <a:masterClrMapping/>
-  </p:clrMapOvr>
-  <p:timing>
-    <p:tnLst>
-      <p:par>
-        <p:cTn id="1" dur="indefinite" restart="never" nodeType="tmRoot"/>
-      </p:par>
-    </p:tnLst>
-  </p:timing>
-</p:sld>
-</file>
-
-<file path=ppt/slides/slide31.xml><?xml version="1.0" encoding="utf-8"?>
-<p:sld xmlns:a="http://schemas.openxmlformats.org/drawingml/2006/main" xmlns:r="http://schemas.openxmlformats.org/officeDocument/2006/relationships" xmlns:p="http://schemas.openxmlformats.org/presentationml/2006/main">
-  <p:cSld>
-    <p:spTree>
-      <p:nvGrpSpPr>
-        <p:cNvPr id="1" name=""/>
-        <p:cNvGrpSpPr/>
-        <p:nvPr/>
-      </p:nvGrpSpPr>
-      <p:grpSpPr>
-        <a:xfrm>
-          <a:off x="0" y="0"/>
-          <a:ext cx="0" cy="0"/>
-          <a:chOff x="0" y="0"/>
-          <a:chExt cx="0" cy="0"/>
-        </a:xfrm>
-      </p:grpSpPr>
       <p:pic>
         <p:nvPicPr>
           <p:cNvPr id="5" name="Picture 4"/>
@@ -20430,7 +20179,7 @@
 </p:sld>
 </file>
 
-<file path=ppt/slides/slide32.xml><?xml version="1.0" encoding="utf-8"?>
+<file path=ppt/slides/slide31.xml><?xml version="1.0" encoding="utf-8"?>
 <p:sld xmlns:a="http://schemas.openxmlformats.org/drawingml/2006/main" xmlns:r="http://schemas.openxmlformats.org/officeDocument/2006/relationships" xmlns:p="http://schemas.openxmlformats.org/presentationml/2006/main">
   <p:cSld>
     <p:spTree>
@@ -20675,7 +20424,7 @@
 </p:sld>
 </file>
 
-<file path=ppt/slides/slide33.xml><?xml version="1.0" encoding="utf-8"?>
+<file path=ppt/slides/slide32.xml><?xml version="1.0" encoding="utf-8"?>
 <p:sld xmlns:a="http://schemas.openxmlformats.org/drawingml/2006/main" xmlns:r="http://schemas.openxmlformats.org/officeDocument/2006/relationships" xmlns:p="http://schemas.openxmlformats.org/presentationml/2006/main">
   <p:cSld>
     <p:spTree>
@@ -37138,138 +36887,243 @@
       </p:grpSpPr>
       <p:sp>
         <p:nvSpPr>
-          <p:cNvPr id="2" name="Rectangle 1"/>
-          <p:cNvSpPr/>
-          <p:nvPr/>
+          <p:cNvPr id="2" name="Title 1"/>
+          <p:cNvSpPr>
+            <a:spLocks noGrp="1"/>
+          </p:cNvSpPr>
+          <p:nvPr>
+            <p:ph type="title"/>
+          </p:nvPr>
         </p:nvSpPr>
         <p:spPr>
           <a:xfrm>
-            <a:off x="678426" y="693174"/>
-            <a:ext cx="10294374" cy="4124206"/>
+            <a:off x="507105" y="381215"/>
+            <a:ext cx="11049000" cy="1001559"/>
+          </a:xfrm>
+        </p:spPr>
+        <p:txBody>
+          <a:bodyPr/>
+          <a:lstStyle/>
+          <a:p>
+            <a:r>
+              <a:rPr lang="en-US" dirty="0">
+                <a:latin typeface="Calibri" panose="020F0502020204030204" pitchFamily="34" charset="0"/>
+                <a:cs typeface="Calibri" panose="020F0502020204030204" pitchFamily="34" charset="0"/>
+              </a:rPr>
+              <a:t>Cloud IDE</a:t>
+            </a:r>
+          </a:p>
+        </p:txBody>
+      </p:sp>
+      <p:sp>
+        <p:nvSpPr>
+          <p:cNvPr id="3" name="Content Placeholder 2"/>
+          <p:cNvSpPr>
+            <a:spLocks noGrp="1"/>
+          </p:cNvSpPr>
+          <p:nvPr>
+            <p:ph idx="1"/>
+          </p:nvPr>
+        </p:nvSpPr>
+        <p:spPr>
+          <a:xfrm>
+            <a:off x="773805" y="1523263"/>
+            <a:ext cx="10515600" cy="4351338"/>
+          </a:xfrm>
+        </p:spPr>
+        <p:txBody>
+          <a:bodyPr/>
+          <a:lstStyle/>
+          <a:p>
+            <a:pPr marL="0" indent="0">
+              <a:buNone/>
+            </a:pPr>
+            <a:r>
+              <a:rPr lang="en-US" dirty="0" smtClean="0">
+                <a:latin typeface="Calibri" panose="020F0502020204030204" pitchFamily="34" charset="0"/>
+                <a:cs typeface="Calibri" panose="020F0502020204030204" pitchFamily="34" charset="0"/>
+              </a:rPr>
+              <a:t>Register for </a:t>
+            </a:r>
+            <a:r>
+              <a:rPr lang="en-US" dirty="0">
+                <a:solidFill>
+                  <a:srgbClr val="FF0000"/>
+                </a:solidFill>
+                <a:latin typeface="Calibri" panose="020F0502020204030204" pitchFamily="34" charset="0"/>
+                <a:cs typeface="Calibri" panose="020F0502020204030204" pitchFamily="34" charset="0"/>
+              </a:rPr>
+              <a:t>ECL Cloud </a:t>
+            </a:r>
+            <a:r>
+              <a:rPr lang="en-US" dirty="0" smtClean="0">
+                <a:solidFill>
+                  <a:srgbClr val="FF0000"/>
+                </a:solidFill>
+                <a:latin typeface="Calibri" panose="020F0502020204030204" pitchFamily="34" charset="0"/>
+                <a:cs typeface="Calibri" panose="020F0502020204030204" pitchFamily="34" charset="0"/>
+              </a:rPr>
+              <a:t>IDE</a:t>
+            </a:r>
+          </a:p>
+          <a:p>
+            <a:pPr marL="0" indent="0" algn="ctr">
+              <a:buNone/>
+            </a:pPr>
+            <a:r>
+              <a:rPr lang="en-US" dirty="0">
+                <a:solidFill>
+                  <a:srgbClr val="FF0000"/>
+                </a:solidFill>
+                <a:latin typeface="Calibri" panose="020F0502020204030204" pitchFamily="34" charset="0"/>
+                <a:cs typeface="Calibri" panose="020F0502020204030204" pitchFamily="34" charset="0"/>
+              </a:rPr>
+              <a:t>	</a:t>
+            </a:r>
+            <a:r>
+              <a:rPr lang="en-US" dirty="0" smtClean="0">
+                <a:solidFill>
+                  <a:srgbClr val="FF0000"/>
+                </a:solidFill>
+                <a:latin typeface="Calibri" panose="020F0502020204030204" pitchFamily="34" charset="0"/>
+                <a:cs typeface="Calibri" panose="020F0502020204030204" pitchFamily="34" charset="0"/>
+              </a:rPr>
+              <a:t>	</a:t>
+            </a:r>
+          </a:p>
+          <a:p>
+            <a:pPr marL="0" indent="0" algn="ctr">
+              <a:buNone/>
+            </a:pPr>
+            <a:r>
+              <a:rPr lang="en-US" dirty="0" smtClean="0">
+                <a:solidFill>
+                  <a:srgbClr val="FF0000"/>
+                </a:solidFill>
+                <a:latin typeface="Calibri" panose="020F0502020204030204" pitchFamily="34" charset="0"/>
+                <a:cs typeface="Calibri" panose="020F0502020204030204" pitchFamily="34" charset="0"/>
+              </a:rPr>
+              <a:t> </a:t>
+            </a:r>
+            <a:r>
+              <a:rPr lang="en-US" dirty="0" smtClean="0">
+                <a:latin typeface="Calibri" panose="020F0502020204030204" pitchFamily="34" charset="0"/>
+                <a:cs typeface="Calibri" panose="020F0502020204030204" pitchFamily="34" charset="0"/>
+                <a:hlinkClick r:id="rId2"/>
+              </a:rPr>
+              <a:t>https</a:t>
+            </a:r>
+            <a:r>
+              <a:rPr lang="en-US" dirty="0">
+                <a:latin typeface="Calibri" panose="020F0502020204030204" pitchFamily="34" charset="0"/>
+                <a:cs typeface="Calibri" panose="020F0502020204030204" pitchFamily="34" charset="0"/>
+                <a:hlinkClick r:id="rId2"/>
+              </a:rPr>
+              <a:t>://ide.hpccsystems.com/auth/login</a:t>
+            </a:r>
+            <a:r>
+              <a:rPr lang="en-US" dirty="0">
+                <a:latin typeface="Calibri" panose="020F0502020204030204" pitchFamily="34" charset="0"/>
+                <a:cs typeface="Calibri" panose="020F0502020204030204" pitchFamily="34" charset="0"/>
+              </a:rPr>
+              <a:t>​​​​​​​</a:t>
+            </a:r>
+          </a:p>
+          <a:p>
+            <a:pPr marL="514350" indent="-514350">
+              <a:buFont typeface="+mj-lt"/>
+              <a:buAutoNum type="arabicPeriod"/>
+            </a:pPr>
+            <a:endParaRPr lang="en-US" dirty="0">
+              <a:latin typeface="Calibri" panose="020F0502020204030204" pitchFamily="34" charset="0"/>
+              <a:cs typeface="Calibri" panose="020F0502020204030204" pitchFamily="34" charset="0"/>
+            </a:endParaRPr>
+          </a:p>
+          <a:p>
+            <a:pPr marL="514350" indent="-514350">
+              <a:buFont typeface="+mj-lt"/>
+              <a:buAutoNum type="arabicPeriod"/>
+            </a:pPr>
+            <a:endParaRPr lang="en-US" dirty="0">
+              <a:latin typeface="Calibri" panose="020F0502020204030204" pitchFamily="34" charset="0"/>
+              <a:cs typeface="Calibri" panose="020F0502020204030204" pitchFamily="34" charset="0"/>
+            </a:endParaRPr>
+          </a:p>
+          <a:p>
+            <a:pPr marL="514350" indent="-514350">
+              <a:buFont typeface="+mj-lt"/>
+              <a:buAutoNum type="arabicPeriod"/>
+            </a:pPr>
+            <a:endParaRPr lang="en-US" dirty="0">
+              <a:latin typeface="Calibri" panose="020F0502020204030204" pitchFamily="34" charset="0"/>
+              <a:cs typeface="Calibri" panose="020F0502020204030204" pitchFamily="34" charset="0"/>
+            </a:endParaRPr>
+          </a:p>
+          <a:p>
+            <a:pPr marL="514350" indent="-514350">
+              <a:buFont typeface="+mj-lt"/>
+              <a:buAutoNum type="arabicPeriod"/>
+            </a:pPr>
+            <a:endParaRPr lang="en-US" dirty="0">
+              <a:latin typeface="Calibri" panose="020F0502020204030204" pitchFamily="34" charset="0"/>
+              <a:cs typeface="Calibri" panose="020F0502020204030204" pitchFamily="34" charset="0"/>
+            </a:endParaRPr>
+          </a:p>
+          <a:p>
+            <a:pPr marL="514350" indent="-514350" algn="ctr">
+              <a:buFont typeface="+mj-lt"/>
+              <a:buAutoNum type="arabicPeriod"/>
+            </a:pPr>
+            <a:endParaRPr lang="en-US" dirty="0">
+              <a:latin typeface="Calibri" panose="020F0502020204030204" pitchFamily="34" charset="0"/>
+              <a:cs typeface="Calibri" panose="020F0502020204030204" pitchFamily="34" charset="0"/>
+            </a:endParaRPr>
+          </a:p>
+          <a:p>
+            <a:endParaRPr lang="en-US" dirty="0">
+              <a:latin typeface="Calibri" panose="020F0502020204030204" pitchFamily="34" charset="0"/>
+              <a:cs typeface="Calibri" panose="020F0502020204030204" pitchFamily="34" charset="0"/>
+            </a:endParaRPr>
+          </a:p>
+          <a:p>
+            <a:pPr marL="0" indent="0">
+              <a:buNone/>
+            </a:pPr>
+            <a:endParaRPr lang="en-US" dirty="0">
+              <a:latin typeface="Calibri" panose="020F0502020204030204" pitchFamily="34" charset="0"/>
+              <a:cs typeface="Calibri" panose="020F0502020204030204" pitchFamily="34" charset="0"/>
+            </a:endParaRPr>
+          </a:p>
+        </p:txBody>
+      </p:sp>
+      <p:pic>
+        <p:nvPicPr>
+          <p:cNvPr id="4" name="Picture 3"/>
+          <p:cNvPicPr>
+            <a:picLocks noChangeAspect="1"/>
+          </p:cNvPicPr>
+          <p:nvPr/>
+        </p:nvPicPr>
+        <p:blipFill>
+          <a:blip r:embed="rId3"/>
+          <a:stretch>
+            <a:fillRect/>
+          </a:stretch>
+        </p:blipFill>
+        <p:spPr>
+          <a:xfrm>
+            <a:off x="2404332" y="3698932"/>
+            <a:ext cx="7926955" cy="921739"/>
           </a:xfrm>
           <a:prstGeom prst="rect">
             <a:avLst/>
           </a:prstGeom>
         </p:spPr>
-        <p:txBody>
-          <a:bodyPr wrap="square">
-            <a:spAutoFit/>
-          </a:bodyPr>
-          <a:lstStyle/>
-          <a:p>
-            <a:r>
-              <a:rPr lang="en-US" sz="3200" dirty="0">
-                <a:latin typeface="Calibri" panose="020F0502020204030204" pitchFamily="34" charset="0"/>
-                <a:cs typeface="Calibri" panose="020F0502020204030204" pitchFamily="34" charset="0"/>
-              </a:rPr>
-              <a:t>Mobile Strategy Games</a:t>
-            </a:r>
-          </a:p>
-          <a:p>
-            <a:endParaRPr lang="en-US" dirty="0">
-              <a:latin typeface="Calibri" panose="020F0502020204030204" pitchFamily="34" charset="0"/>
-              <a:cs typeface="Calibri" panose="020F0502020204030204" pitchFamily="34" charset="0"/>
-            </a:endParaRPr>
-          </a:p>
-          <a:p>
-            <a:r>
-              <a:rPr lang="en-US" dirty="0">
-                <a:latin typeface="Calibri" panose="020F0502020204030204" pitchFamily="34" charset="0"/>
-                <a:cs typeface="Calibri" panose="020F0502020204030204" pitchFamily="34" charset="0"/>
-              </a:rPr>
-              <a:t>The mobile games industry is worth billions of dollars, with companies spending vast amounts of money on the development and marketing of these games to an equally large market. This dataset includes fields such as Name, Release Date, Description, </a:t>
-            </a:r>
-            <a:r>
-              <a:rPr lang="en-US" dirty="0" err="1">
-                <a:latin typeface="Calibri" panose="020F0502020204030204" pitchFamily="34" charset="0"/>
-                <a:cs typeface="Calibri" panose="020F0502020204030204" pitchFamily="34" charset="0"/>
-              </a:rPr>
-              <a:t>avg</a:t>
-            </a:r>
-            <a:r>
-              <a:rPr lang="en-US" dirty="0">
-                <a:latin typeface="Calibri" panose="020F0502020204030204" pitchFamily="34" charset="0"/>
-                <a:cs typeface="Calibri" panose="020F0502020204030204" pitchFamily="34" charset="0"/>
-              </a:rPr>
-              <a:t> rating, etc.</a:t>
-            </a:r>
-          </a:p>
-          <a:p>
-            <a:endParaRPr lang="en-US" dirty="0">
-              <a:latin typeface="Calibri" panose="020F0502020204030204" pitchFamily="34" charset="0"/>
-              <a:cs typeface="Calibri" panose="020F0502020204030204" pitchFamily="34" charset="0"/>
-            </a:endParaRPr>
-          </a:p>
-          <a:p>
-            <a:endParaRPr lang="en-US" dirty="0">
-              <a:latin typeface="Calibri" panose="020F0502020204030204" pitchFamily="34" charset="0"/>
-              <a:cs typeface="Calibri" panose="020F0502020204030204" pitchFamily="34" charset="0"/>
-            </a:endParaRPr>
-          </a:p>
-          <a:p>
-            <a:r>
-              <a:rPr lang="en-US" sz="3200" dirty="0">
-                <a:latin typeface="Calibri" panose="020F0502020204030204" pitchFamily="34" charset="0"/>
-                <a:cs typeface="Calibri" panose="020F0502020204030204" pitchFamily="34" charset="0"/>
-              </a:rPr>
-              <a:t>Spotify Playlists Dataset</a:t>
-            </a:r>
-          </a:p>
-          <a:p>
-            <a:endParaRPr lang="en-US" dirty="0">
-              <a:latin typeface="Calibri" panose="020F0502020204030204" pitchFamily="34" charset="0"/>
-              <a:cs typeface="Calibri" panose="020F0502020204030204" pitchFamily="34" charset="0"/>
-            </a:endParaRPr>
-          </a:p>
-          <a:p>
-            <a:r>
-              <a:rPr lang="en-US" dirty="0">
-                <a:latin typeface="Calibri" panose="020F0502020204030204" pitchFamily="34" charset="0"/>
-                <a:cs typeface="Calibri" panose="020F0502020204030204" pitchFamily="34" charset="0"/>
-              </a:rPr>
-              <a:t>This dataset is based on the subset of users in the #</a:t>
-            </a:r>
-            <a:r>
-              <a:rPr lang="en-US" dirty="0" err="1">
-                <a:latin typeface="Calibri" panose="020F0502020204030204" pitchFamily="34" charset="0"/>
-                <a:cs typeface="Calibri" panose="020F0502020204030204" pitchFamily="34" charset="0"/>
-              </a:rPr>
-              <a:t>nowplaying</a:t>
-            </a:r>
-            <a:r>
-              <a:rPr lang="en-US" dirty="0">
-                <a:latin typeface="Calibri" panose="020F0502020204030204" pitchFamily="34" charset="0"/>
-                <a:cs typeface="Calibri" panose="020F0502020204030204" pitchFamily="34" charset="0"/>
-              </a:rPr>
-              <a:t> dataset who publish their #</a:t>
-            </a:r>
-            <a:r>
-              <a:rPr lang="en-US" dirty="0" err="1">
-                <a:latin typeface="Calibri" panose="020F0502020204030204" pitchFamily="34" charset="0"/>
-                <a:cs typeface="Calibri" panose="020F0502020204030204" pitchFamily="34" charset="0"/>
-              </a:rPr>
-              <a:t>nowplaying</a:t>
-            </a:r>
-            <a:r>
-              <a:rPr lang="en-US" dirty="0">
-                <a:latin typeface="Calibri" panose="020F0502020204030204" pitchFamily="34" charset="0"/>
-                <a:cs typeface="Calibri" panose="020F0502020204030204" pitchFamily="34" charset="0"/>
-              </a:rPr>
-              <a:t> tweets via Spotify. In principle, the dataset holds users, their playlists and the tracks contained in these playlists.</a:t>
-            </a:r>
-          </a:p>
-          <a:p>
-            <a:endParaRPr lang="en-US" dirty="0">
-              <a:latin typeface="Calibri" panose="020F0502020204030204" pitchFamily="34" charset="0"/>
-              <a:cs typeface="Calibri" panose="020F0502020204030204" pitchFamily="34" charset="0"/>
-            </a:endParaRPr>
-          </a:p>
-        </p:txBody>
-      </p:sp>
+      </p:pic>
     </p:spTree>
     <p:extLst>
       <p:ext uri="{BB962C8B-B14F-4D97-AF65-F5344CB8AC3E}">
-        <p14:creationId xmlns:p14="http://schemas.microsoft.com/office/powerpoint/2010/main" val="4018323084"/>
+        <p14:creationId xmlns:p14="http://schemas.microsoft.com/office/powerpoint/2010/main" val="2168712508"/>
       </p:ext>
     </p:extLst>
   </p:cSld>
@@ -37305,212 +37159,40 @@
       </p:grpSpPr>
       <p:sp>
         <p:nvSpPr>
-          <p:cNvPr id="2" name="Title 1"/>
-          <p:cNvSpPr>
-            <a:spLocks noGrp="1"/>
-          </p:cNvSpPr>
-          <p:nvPr>
-            <p:ph type="title"/>
-          </p:nvPr>
+          <p:cNvPr id="2" name="TextBox 1"/>
+          <p:cNvSpPr txBox="1"/>
+          <p:nvPr/>
         </p:nvSpPr>
         <p:spPr>
           <a:xfrm>
-            <a:off x="507105" y="381215"/>
-            <a:ext cx="11049000" cy="1001559"/>
+            <a:off x="555861" y="318837"/>
+            <a:ext cx="7157545" cy="707886"/>
           </a:xfrm>
+          <a:prstGeom prst="rect">
+            <a:avLst/>
+          </a:prstGeom>
+          <a:noFill/>
         </p:spPr>
         <p:txBody>
-          <a:bodyPr/>
+          <a:bodyPr wrap="square" rtlCol="0">
+            <a:spAutoFit/>
+          </a:bodyPr>
           <a:lstStyle/>
           <a:p>
-            <a:r>
-              <a:rPr lang="en-US" dirty="0">
+            <a:pPr algn="l"/>
+            <a:r>
+              <a:rPr lang="en-US" sz="4000" dirty="0">
+                <a:solidFill>
+                  <a:schemeClr val="tx1">
+                    <a:lumMod val="65000"/>
+                    <a:lumOff val="35000"/>
+                  </a:schemeClr>
+                </a:solidFill>
                 <a:latin typeface="Calibri" panose="020F0502020204030204" pitchFamily="34" charset="0"/>
                 <a:cs typeface="Calibri" panose="020F0502020204030204" pitchFamily="34" charset="0"/>
               </a:rPr>
               <a:t>Cloud IDE</a:t>
             </a:r>
-          </a:p>
-        </p:txBody>
-      </p:sp>
-      <p:sp>
-        <p:nvSpPr>
-          <p:cNvPr id="3" name="Content Placeholder 2"/>
-          <p:cNvSpPr>
-            <a:spLocks noGrp="1"/>
-          </p:cNvSpPr>
-          <p:nvPr>
-            <p:ph idx="1"/>
-          </p:nvPr>
-        </p:nvSpPr>
-        <p:spPr>
-          <a:xfrm>
-            <a:off x="773805" y="1523263"/>
-            <a:ext cx="10515600" cy="4351338"/>
-          </a:xfrm>
-        </p:spPr>
-        <p:txBody>
-          <a:bodyPr/>
-          <a:lstStyle/>
-          <a:p>
-            <a:pPr marL="0" indent="0">
-              <a:buNone/>
-            </a:pPr>
-            <a:r>
-              <a:rPr lang="en-US" dirty="0" smtClean="0">
-                <a:latin typeface="Calibri" panose="020F0502020204030204" pitchFamily="34" charset="0"/>
-                <a:cs typeface="Calibri" panose="020F0502020204030204" pitchFamily="34" charset="0"/>
-              </a:rPr>
-              <a:t>Register for </a:t>
-            </a:r>
-            <a:r>
-              <a:rPr lang="en-US" dirty="0">
-                <a:solidFill>
-                  <a:srgbClr val="FF0000"/>
-                </a:solidFill>
-                <a:latin typeface="Calibri" panose="020F0502020204030204" pitchFamily="34" charset="0"/>
-                <a:cs typeface="Calibri" panose="020F0502020204030204" pitchFamily="34" charset="0"/>
-              </a:rPr>
-              <a:t>ECL Cloud </a:t>
-            </a:r>
-            <a:r>
-              <a:rPr lang="en-US" dirty="0" smtClean="0">
-                <a:solidFill>
-                  <a:srgbClr val="FF0000"/>
-                </a:solidFill>
-                <a:latin typeface="Calibri" panose="020F0502020204030204" pitchFamily="34" charset="0"/>
-                <a:cs typeface="Calibri" panose="020F0502020204030204" pitchFamily="34" charset="0"/>
-              </a:rPr>
-              <a:t>IDE</a:t>
-            </a:r>
-          </a:p>
-          <a:p>
-            <a:pPr marL="0" indent="0" algn="ctr">
-              <a:buNone/>
-            </a:pPr>
-            <a:r>
-              <a:rPr lang="en-US" dirty="0">
-                <a:solidFill>
-                  <a:srgbClr val="FF0000"/>
-                </a:solidFill>
-                <a:latin typeface="Calibri" panose="020F0502020204030204" pitchFamily="34" charset="0"/>
-                <a:cs typeface="Calibri" panose="020F0502020204030204" pitchFamily="34" charset="0"/>
-              </a:rPr>
-              <a:t>	</a:t>
-            </a:r>
-            <a:r>
-              <a:rPr lang="en-US" dirty="0" smtClean="0">
-                <a:solidFill>
-                  <a:srgbClr val="FF0000"/>
-                </a:solidFill>
-                <a:latin typeface="Calibri" panose="020F0502020204030204" pitchFamily="34" charset="0"/>
-                <a:cs typeface="Calibri" panose="020F0502020204030204" pitchFamily="34" charset="0"/>
-              </a:rPr>
-              <a:t>	</a:t>
-            </a:r>
-          </a:p>
-          <a:p>
-            <a:pPr marL="0" indent="0" algn="ctr">
-              <a:buNone/>
-            </a:pPr>
-            <a:r>
-              <a:rPr lang="en-US" dirty="0" smtClean="0">
-                <a:solidFill>
-                  <a:srgbClr val="FF0000"/>
-                </a:solidFill>
-                <a:latin typeface="Calibri" panose="020F0502020204030204" pitchFamily="34" charset="0"/>
-                <a:cs typeface="Calibri" panose="020F0502020204030204" pitchFamily="34" charset="0"/>
-              </a:rPr>
-              <a:t> </a:t>
-            </a:r>
-            <a:r>
-              <a:rPr lang="en-US" dirty="0" smtClean="0">
-                <a:latin typeface="Calibri" panose="020F0502020204030204" pitchFamily="34" charset="0"/>
-                <a:cs typeface="Calibri" panose="020F0502020204030204" pitchFamily="34" charset="0"/>
-                <a:hlinkClick r:id="rId2"/>
-              </a:rPr>
-              <a:t>https</a:t>
-            </a:r>
-            <a:r>
-              <a:rPr lang="en-US" dirty="0">
-                <a:latin typeface="Calibri" panose="020F0502020204030204" pitchFamily="34" charset="0"/>
-                <a:cs typeface="Calibri" panose="020F0502020204030204" pitchFamily="34" charset="0"/>
-                <a:hlinkClick r:id="rId2"/>
-              </a:rPr>
-              <a:t>://ide.hpccsystems.com/auth/login</a:t>
-            </a:r>
-            <a:r>
-              <a:rPr lang="en-US" dirty="0">
-                <a:latin typeface="Calibri" panose="020F0502020204030204" pitchFamily="34" charset="0"/>
-                <a:cs typeface="Calibri" panose="020F0502020204030204" pitchFamily="34" charset="0"/>
-              </a:rPr>
-              <a:t>​​​​​​​</a:t>
-            </a:r>
-          </a:p>
-          <a:p>
-            <a:pPr marL="514350" indent="-514350">
-              <a:buFont typeface="+mj-lt"/>
-              <a:buAutoNum type="arabicPeriod"/>
-            </a:pPr>
-            <a:endParaRPr lang="en-US" dirty="0">
-              <a:latin typeface="Calibri" panose="020F0502020204030204" pitchFamily="34" charset="0"/>
-              <a:cs typeface="Calibri" panose="020F0502020204030204" pitchFamily="34" charset="0"/>
-            </a:endParaRPr>
-          </a:p>
-          <a:p>
-            <a:pPr marL="514350" indent="-514350">
-              <a:buFont typeface="+mj-lt"/>
-              <a:buAutoNum type="arabicPeriod"/>
-            </a:pPr>
-            <a:endParaRPr lang="en-US" dirty="0">
-              <a:latin typeface="Calibri" panose="020F0502020204030204" pitchFamily="34" charset="0"/>
-              <a:cs typeface="Calibri" panose="020F0502020204030204" pitchFamily="34" charset="0"/>
-            </a:endParaRPr>
-          </a:p>
-          <a:p>
-            <a:pPr marL="514350" indent="-514350">
-              <a:buFont typeface="+mj-lt"/>
-              <a:buAutoNum type="arabicPeriod"/>
-            </a:pPr>
-            <a:endParaRPr lang="en-US" dirty="0">
-              <a:latin typeface="Calibri" panose="020F0502020204030204" pitchFamily="34" charset="0"/>
-              <a:cs typeface="Calibri" panose="020F0502020204030204" pitchFamily="34" charset="0"/>
-            </a:endParaRPr>
-          </a:p>
-          <a:p>
-            <a:pPr marL="514350" indent="-514350">
-              <a:buFont typeface="+mj-lt"/>
-              <a:buAutoNum type="arabicPeriod"/>
-            </a:pPr>
-            <a:endParaRPr lang="en-US" dirty="0">
-              <a:latin typeface="Calibri" panose="020F0502020204030204" pitchFamily="34" charset="0"/>
-              <a:cs typeface="Calibri" panose="020F0502020204030204" pitchFamily="34" charset="0"/>
-            </a:endParaRPr>
-          </a:p>
-          <a:p>
-            <a:pPr marL="514350" indent="-514350" algn="ctr">
-              <a:buFont typeface="+mj-lt"/>
-              <a:buAutoNum type="arabicPeriod"/>
-            </a:pPr>
-            <a:endParaRPr lang="en-US" dirty="0">
-              <a:latin typeface="Calibri" panose="020F0502020204030204" pitchFamily="34" charset="0"/>
-              <a:cs typeface="Calibri" panose="020F0502020204030204" pitchFamily="34" charset="0"/>
-            </a:endParaRPr>
-          </a:p>
-          <a:p>
-            <a:endParaRPr lang="en-US" dirty="0">
-              <a:latin typeface="Calibri" panose="020F0502020204030204" pitchFamily="34" charset="0"/>
-              <a:cs typeface="Calibri" panose="020F0502020204030204" pitchFamily="34" charset="0"/>
-            </a:endParaRPr>
-          </a:p>
-          <a:p>
-            <a:pPr marL="0" indent="0">
-              <a:buNone/>
-            </a:pPr>
-            <a:endParaRPr lang="en-US" dirty="0">
-              <a:latin typeface="Calibri" panose="020F0502020204030204" pitchFamily="34" charset="0"/>
-              <a:cs typeface="Calibri" panose="020F0502020204030204" pitchFamily="34" charset="0"/>
-            </a:endParaRPr>
           </a:p>
         </p:txBody>
       </p:sp>
@@ -37523,25 +37205,171 @@
           <p:nvPr/>
         </p:nvPicPr>
         <p:blipFill>
-          <a:blip r:embed="rId3"/>
+          <a:blip r:embed="rId2"/>
           <a:stretch>
             <a:fillRect/>
           </a:stretch>
         </p:blipFill>
         <p:spPr>
           <a:xfrm>
-            <a:off x="2404332" y="3698932"/>
-            <a:ext cx="7926955" cy="921739"/>
+            <a:off x="7508064" y="2436364"/>
+            <a:ext cx="3369038" cy="1656160"/>
           </a:xfrm>
           <a:prstGeom prst="rect">
             <a:avLst/>
           </a:prstGeom>
+          <a:ln>
+            <a:noFill/>
+          </a:ln>
+          <a:effectLst>
+            <a:outerShdw blurRad="44450" dist="27940" dir="5400000" algn="ctr">
+              <a:srgbClr val="000000">
+                <a:alpha val="32000"/>
+              </a:srgbClr>
+            </a:outerShdw>
+          </a:effectLst>
+          <a:scene3d>
+            <a:camera prst="orthographicFront">
+              <a:rot lat="0" lon="0" rev="0"/>
+            </a:camera>
+            <a:lightRig rig="balanced" dir="t">
+              <a:rot lat="0" lon="0" rev="8700000"/>
+            </a:lightRig>
+          </a:scene3d>
+          <a:sp3d>
+            <a:bevelT w="190500" h="38100"/>
+          </a:sp3d>
+        </p:spPr>
+      </p:pic>
+      <p:sp>
+        <p:nvSpPr>
+          <p:cNvPr id="5" name="TextBox 4"/>
+          <p:cNvSpPr txBox="1"/>
+          <p:nvPr/>
+        </p:nvSpPr>
+        <p:spPr>
+          <a:xfrm>
+            <a:off x="555861" y="5502166"/>
+            <a:ext cx="10790565" cy="707886"/>
+          </a:xfrm>
+          <a:prstGeom prst="rect">
+            <a:avLst/>
+          </a:prstGeom>
+          <a:noFill/>
+        </p:spPr>
+        <p:txBody>
+          <a:bodyPr wrap="square" rtlCol="0">
+            <a:spAutoFit/>
+          </a:bodyPr>
+          <a:lstStyle/>
+          <a:p>
+            <a:pPr algn="l"/>
+            <a:r>
+              <a:rPr lang="en-US" sz="2000" dirty="0">
+                <a:solidFill>
+                  <a:schemeClr val="tx1">
+                    <a:lumMod val="65000"/>
+                    <a:lumOff val="35000"/>
+                  </a:schemeClr>
+                </a:solidFill>
+                <a:latin typeface="Calibri" panose="020F0502020204030204" pitchFamily="34" charset="0"/>
+                <a:cs typeface="Calibri" panose="020F0502020204030204" pitchFamily="34" charset="0"/>
+              </a:rPr>
+              <a:t>Please see </a:t>
+            </a:r>
+            <a:r>
+              <a:rPr lang="en-US" sz="2000" dirty="0" smtClean="0">
+                <a:solidFill>
+                  <a:schemeClr val="tx1">
+                    <a:lumMod val="65000"/>
+                    <a:lumOff val="35000"/>
+                  </a:schemeClr>
+                </a:solidFill>
+                <a:latin typeface="Calibri" panose="020F0502020204030204" pitchFamily="34" charset="0"/>
+                <a:cs typeface="Calibri" panose="020F0502020204030204" pitchFamily="34" charset="0"/>
+              </a:rPr>
+              <a:t>following for how to register and tutorial </a:t>
+            </a:r>
+          </a:p>
+          <a:p>
+            <a:r>
+              <a:rPr lang="en-US" sz="2000" dirty="0">
+                <a:latin typeface="Calibri" panose="020F0502020204030204" pitchFamily="34" charset="0"/>
+                <a:cs typeface="Calibri" panose="020F0502020204030204" pitchFamily="34" charset="0"/>
+                <a:hlinkClick r:id="rId3"/>
+              </a:rPr>
+              <a:t>https://github.com/hpccsystems-solutions-lab</a:t>
+            </a:r>
+            <a:r>
+              <a:rPr lang="en-US" sz="2000" dirty="0" smtClean="0">
+                <a:latin typeface="Calibri" panose="020F0502020204030204" pitchFamily="34" charset="0"/>
+                <a:cs typeface="Calibri" panose="020F0502020204030204" pitchFamily="34" charset="0"/>
+                <a:hlinkClick r:id="rId4"/>
+              </a:rPr>
+              <a:t>/CodeDay_May2020/blob/master/CloudIDE-Setup.pdf</a:t>
+            </a:r>
+            <a:endParaRPr lang="en-US" sz="2000" dirty="0">
+              <a:solidFill>
+                <a:schemeClr val="tx1">
+                  <a:lumMod val="65000"/>
+                  <a:lumOff val="35000"/>
+                </a:schemeClr>
+              </a:solidFill>
+              <a:latin typeface="Calibri" panose="020F0502020204030204" pitchFamily="34" charset="0"/>
+              <a:cs typeface="Calibri" panose="020F0502020204030204" pitchFamily="34" charset="0"/>
+            </a:endParaRPr>
+          </a:p>
+        </p:txBody>
+      </p:sp>
+      <p:pic>
+        <p:nvPicPr>
+          <p:cNvPr id="6" name="Picture 5"/>
+          <p:cNvPicPr>
+            <a:picLocks noChangeAspect="1"/>
+          </p:cNvPicPr>
+          <p:nvPr/>
+        </p:nvPicPr>
+        <p:blipFill>
+          <a:blip r:embed="rId5"/>
+          <a:stretch>
+            <a:fillRect/>
+          </a:stretch>
+        </p:blipFill>
+        <p:spPr>
+          <a:xfrm>
+            <a:off x="964938" y="1104400"/>
+            <a:ext cx="5330186" cy="4205288"/>
+          </a:xfrm>
+          <a:prstGeom prst="rect">
+            <a:avLst/>
+          </a:prstGeom>
+          <a:ln>
+            <a:noFill/>
+          </a:ln>
+          <a:effectLst>
+            <a:outerShdw blurRad="44450" dist="27940" dir="5400000" algn="ctr">
+              <a:srgbClr val="000000">
+                <a:alpha val="32000"/>
+              </a:srgbClr>
+            </a:outerShdw>
+          </a:effectLst>
+          <a:scene3d>
+            <a:camera prst="orthographicFront">
+              <a:rot lat="0" lon="0" rev="0"/>
+            </a:camera>
+            <a:lightRig rig="balanced" dir="t">
+              <a:rot lat="0" lon="0" rev="8700000"/>
+            </a:lightRig>
+          </a:scene3d>
+          <a:sp3d>
+            <a:bevelT w="190500" h="38100"/>
+          </a:sp3d>
         </p:spPr>
       </p:pic>
     </p:spTree>
     <p:extLst>
       <p:ext uri="{BB962C8B-B14F-4D97-AF65-F5344CB8AC3E}">
-        <p14:creationId xmlns:p14="http://schemas.microsoft.com/office/powerpoint/2010/main" val="2168712508"/>
+        <p14:creationId xmlns:p14="http://schemas.microsoft.com/office/powerpoint/2010/main" val="2703376827"/>
       </p:ext>
     </p:extLst>
   </p:cSld>
